--- a/slides/05生産要素が貿易を決めるv3.pptx
+++ b/slides/05生産要素が貿易を決めるv3.pptx
@@ -4879,7 +4879,7 @@
           </a:ln>
           <a:extLst>
             <a:ext uri="{C572A759-6A51-4108-AA02-DFA0A04FC94B}">
-              <ma14:wrappingTextBoxFlag xmlns="" xmlns:m="http://schemas.openxmlformats.org/officeDocument/2006/math" xmlns:a14="http://schemas.microsoft.com/office/drawing/2010/main" xmlns:ma14="http://schemas.microsoft.com/office/mac/drawingml/2011/main" val="1"/>
+              <ma14:wrappingTextBoxFlag xmlns:ma14="http://schemas.microsoft.com/office/mac/drawingml/2011/main" xmlns:a14="http://schemas.microsoft.com/office/drawing/2010/main" xmlns:m="http://schemas.openxmlformats.org/officeDocument/2006/math" xmlns="" val="1"/>
             </a:ext>
           </a:extLst>
         </p:spPr>
@@ -4963,7 +4963,7 @@
           </a:ln>
           <a:extLst>
             <a:ext uri="{C572A759-6A51-4108-AA02-DFA0A04FC94B}">
-              <ma14:wrappingTextBoxFlag xmlns="" xmlns:m="http://schemas.openxmlformats.org/officeDocument/2006/math" xmlns:a14="http://schemas.microsoft.com/office/drawing/2010/main" xmlns:ma14="http://schemas.microsoft.com/office/mac/drawingml/2011/main" val="1"/>
+              <ma14:wrappingTextBoxFlag xmlns:ma14="http://schemas.microsoft.com/office/mac/drawingml/2011/main" xmlns:a14="http://schemas.microsoft.com/office/drawing/2010/main" xmlns:m="http://schemas.openxmlformats.org/officeDocument/2006/math" xmlns="" val="1"/>
             </a:ext>
           </a:extLst>
         </p:spPr>
@@ -5917,7 +5917,7 @@
           </a:prstGeom>
           <a:extLst>
             <a:ext uri="{C572A759-6A51-4108-AA02-DFA0A04FC94B}">
-              <ma14:wrappingTextBoxFlag xmlns="" xmlns:m="http://schemas.openxmlformats.org/officeDocument/2006/math" xmlns:a14="http://schemas.microsoft.com/office/drawing/2010/main" xmlns:ma14="http://schemas.microsoft.com/office/mac/drawingml/2011/main" val="1"/>
+              <ma14:wrappingTextBoxFlag xmlns:ma14="http://schemas.microsoft.com/office/mac/drawingml/2011/main" xmlns:a14="http://schemas.microsoft.com/office/drawing/2010/main" xmlns:m="http://schemas.openxmlformats.org/officeDocument/2006/math" xmlns="" val="1"/>
             </a:ext>
           </a:extLst>
         </p:spPr>
@@ -6096,7 +6096,7 @@
           </a:prstGeom>
           <a:extLst>
             <a:ext uri="{C572A759-6A51-4108-AA02-DFA0A04FC94B}">
-              <ma14:wrappingTextBoxFlag xmlns="" xmlns:m="http://schemas.openxmlformats.org/officeDocument/2006/math" xmlns:a14="http://schemas.microsoft.com/office/drawing/2010/main" xmlns:ma14="http://schemas.microsoft.com/office/mac/drawingml/2011/main" val="1"/>
+              <ma14:wrappingTextBoxFlag xmlns:ma14="http://schemas.microsoft.com/office/mac/drawingml/2011/main" xmlns:a14="http://schemas.microsoft.com/office/drawing/2010/main" xmlns:m="http://schemas.openxmlformats.org/officeDocument/2006/math" xmlns="" val="1"/>
             </a:ext>
           </a:extLst>
         </p:spPr>
@@ -6299,7 +6299,7 @@
           </a:ln>
           <a:extLst>
             <a:ext uri="{C572A759-6A51-4108-AA02-DFA0A04FC94B}">
-              <ma14:wrappingTextBoxFlag xmlns="" xmlns:m="http://schemas.openxmlformats.org/officeDocument/2006/math" xmlns:a14="http://schemas.microsoft.com/office/drawing/2010/main" xmlns:ma14="http://schemas.microsoft.com/office/mac/drawingml/2011/main" val="1"/>
+              <ma14:wrappingTextBoxFlag xmlns:ma14="http://schemas.microsoft.com/office/mac/drawingml/2011/main" xmlns:a14="http://schemas.microsoft.com/office/drawing/2010/main" xmlns:m="http://schemas.openxmlformats.org/officeDocument/2006/math" xmlns="" val="1"/>
             </a:ext>
           </a:extLst>
         </p:spPr>
@@ -6342,7 +6342,7 @@
           </a:ln>
           <a:extLst>
             <a:ext uri="{C572A759-6A51-4108-AA02-DFA0A04FC94B}">
-              <ma14:wrappingTextBoxFlag xmlns="" xmlns:m="http://schemas.openxmlformats.org/officeDocument/2006/math" xmlns:a14="http://schemas.microsoft.com/office/drawing/2010/main" xmlns:ma14="http://schemas.microsoft.com/office/mac/drawingml/2011/main" val="1"/>
+              <ma14:wrappingTextBoxFlag xmlns:ma14="http://schemas.microsoft.com/office/mac/drawingml/2011/main" xmlns:a14="http://schemas.microsoft.com/office/drawing/2010/main" xmlns:m="http://schemas.openxmlformats.org/officeDocument/2006/math" xmlns="" val="1"/>
             </a:ext>
           </a:extLst>
         </p:spPr>
@@ -6447,7 +6447,7 @@
           </a:ln>
           <a:extLst>
             <a:ext uri="{C572A759-6A51-4108-AA02-DFA0A04FC94B}">
-              <ma14:wrappingTextBoxFlag xmlns="" xmlns:m="http://schemas.openxmlformats.org/officeDocument/2006/math" xmlns:a14="http://schemas.microsoft.com/office/drawing/2010/main" xmlns:ma14="http://schemas.microsoft.com/office/mac/drawingml/2011/main" val="1"/>
+              <ma14:wrappingTextBoxFlag xmlns:ma14="http://schemas.microsoft.com/office/mac/drawingml/2011/main" xmlns:a14="http://schemas.microsoft.com/office/drawing/2010/main" xmlns:m="http://schemas.openxmlformats.org/officeDocument/2006/math" xmlns="" val="1"/>
             </a:ext>
           </a:extLst>
         </p:spPr>
@@ -6550,7 +6550,7 @@
           </a:ln>
           <a:extLst>
             <a:ext uri="{C572A759-6A51-4108-AA02-DFA0A04FC94B}">
-              <ma14:wrappingTextBoxFlag xmlns="" xmlns:m="http://schemas.openxmlformats.org/officeDocument/2006/math" xmlns:a14="http://schemas.microsoft.com/office/drawing/2010/main" xmlns:ma14="http://schemas.microsoft.com/office/mac/drawingml/2011/main" val="1"/>
+              <ma14:wrappingTextBoxFlag xmlns:ma14="http://schemas.microsoft.com/office/mac/drawingml/2011/main" xmlns:a14="http://schemas.microsoft.com/office/drawing/2010/main" xmlns:m="http://schemas.openxmlformats.org/officeDocument/2006/math" xmlns="" val="1"/>
             </a:ext>
           </a:extLst>
         </p:spPr>
@@ -6653,7 +6653,7 @@
           </a:ln>
           <a:extLst>
             <a:ext uri="{C572A759-6A51-4108-AA02-DFA0A04FC94B}">
-              <ma14:wrappingTextBoxFlag xmlns="" xmlns:m="http://schemas.openxmlformats.org/officeDocument/2006/math" xmlns:a14="http://schemas.microsoft.com/office/drawing/2010/main" xmlns:ma14="http://schemas.microsoft.com/office/mac/drawingml/2011/main" val="1"/>
+              <ma14:wrappingTextBoxFlag xmlns:ma14="http://schemas.microsoft.com/office/mac/drawingml/2011/main" xmlns:a14="http://schemas.microsoft.com/office/drawing/2010/main" xmlns:m="http://schemas.openxmlformats.org/officeDocument/2006/math" xmlns="" val="1"/>
             </a:ext>
           </a:extLst>
         </p:spPr>
@@ -6924,7 +6924,7 @@
           </a:ln>
           <a:extLst>
             <a:ext uri="{C572A759-6A51-4108-AA02-DFA0A04FC94B}">
-              <ma14:wrappingTextBoxFlag xmlns="" xmlns:m="http://schemas.openxmlformats.org/officeDocument/2006/math" xmlns:a14="http://schemas.microsoft.com/office/drawing/2010/main" xmlns:ma14="http://schemas.microsoft.com/office/mac/drawingml/2011/main" val="1"/>
+              <ma14:wrappingTextBoxFlag xmlns:ma14="http://schemas.microsoft.com/office/mac/drawingml/2011/main" xmlns:a14="http://schemas.microsoft.com/office/drawing/2010/main" xmlns:m="http://schemas.openxmlformats.org/officeDocument/2006/math" xmlns="" val="1"/>
             </a:ext>
           </a:extLst>
         </p:spPr>
@@ -7027,7 +7027,7 @@
           </a:ln>
           <a:extLst>
             <a:ext uri="{C572A759-6A51-4108-AA02-DFA0A04FC94B}">
-              <ma14:wrappingTextBoxFlag xmlns="" xmlns:m="http://schemas.openxmlformats.org/officeDocument/2006/math" xmlns:a14="http://schemas.microsoft.com/office/drawing/2010/main" xmlns:ma14="http://schemas.microsoft.com/office/mac/drawingml/2011/main" val="1"/>
+              <ma14:wrappingTextBoxFlag xmlns:ma14="http://schemas.microsoft.com/office/mac/drawingml/2011/main" xmlns:a14="http://schemas.microsoft.com/office/drawing/2010/main" xmlns:m="http://schemas.openxmlformats.org/officeDocument/2006/math" xmlns="" val="1"/>
             </a:ext>
           </a:extLst>
         </p:spPr>
@@ -7130,7 +7130,7 @@
           </a:ln>
           <a:extLst>
             <a:ext uri="{C572A759-6A51-4108-AA02-DFA0A04FC94B}">
-              <ma14:wrappingTextBoxFlag xmlns="" xmlns:m="http://schemas.openxmlformats.org/officeDocument/2006/math" xmlns:a14="http://schemas.microsoft.com/office/drawing/2010/main" xmlns:ma14="http://schemas.microsoft.com/office/mac/drawingml/2011/main" val="1"/>
+              <ma14:wrappingTextBoxFlag xmlns:ma14="http://schemas.microsoft.com/office/mac/drawingml/2011/main" xmlns:a14="http://schemas.microsoft.com/office/drawing/2010/main" xmlns:m="http://schemas.openxmlformats.org/officeDocument/2006/math" xmlns="" val="1"/>
             </a:ext>
           </a:extLst>
         </p:spPr>
@@ -7268,7 +7268,7 @@
           </a:ln>
           <a:extLst>
             <a:ext uri="{C572A759-6A51-4108-AA02-DFA0A04FC94B}">
-              <ma14:wrappingTextBoxFlag xmlns="" xmlns:m="http://schemas.openxmlformats.org/officeDocument/2006/math" xmlns:a14="http://schemas.microsoft.com/office/drawing/2010/main" xmlns:ma14="http://schemas.microsoft.com/office/mac/drawingml/2011/main" val="1"/>
+              <ma14:wrappingTextBoxFlag xmlns:ma14="http://schemas.microsoft.com/office/mac/drawingml/2011/main" xmlns:a14="http://schemas.microsoft.com/office/drawing/2010/main" xmlns:m="http://schemas.openxmlformats.org/officeDocument/2006/math" xmlns="" val="1"/>
             </a:ext>
           </a:extLst>
         </p:spPr>
@@ -7326,7 +7326,7 @@
           </a:ln>
           <a:extLst>
             <a:ext uri="{C572A759-6A51-4108-AA02-DFA0A04FC94B}">
-              <ma14:wrappingTextBoxFlag xmlns="" xmlns:m="http://schemas.openxmlformats.org/officeDocument/2006/math" xmlns:a14="http://schemas.microsoft.com/office/drawing/2010/main" xmlns:ma14="http://schemas.microsoft.com/office/mac/drawingml/2011/main" val="1"/>
+              <ma14:wrappingTextBoxFlag xmlns:ma14="http://schemas.microsoft.com/office/mac/drawingml/2011/main" xmlns:a14="http://schemas.microsoft.com/office/drawing/2010/main" xmlns:m="http://schemas.openxmlformats.org/officeDocument/2006/math" xmlns="" val="1"/>
             </a:ext>
           </a:extLst>
         </p:spPr>
@@ -7377,7 +7377,7 @@
           </a:ln>
           <a:extLst>
             <a:ext uri="{C572A759-6A51-4108-AA02-DFA0A04FC94B}">
-              <ma14:wrappingTextBoxFlag xmlns="" xmlns:m="http://schemas.openxmlformats.org/officeDocument/2006/math" xmlns:a14="http://schemas.microsoft.com/office/drawing/2010/main" xmlns:ma14="http://schemas.microsoft.com/office/mac/drawingml/2011/main" val="1"/>
+              <ma14:wrappingTextBoxFlag xmlns:ma14="http://schemas.microsoft.com/office/mac/drawingml/2011/main" xmlns:a14="http://schemas.microsoft.com/office/drawing/2010/main" xmlns:m="http://schemas.openxmlformats.org/officeDocument/2006/math" xmlns="" val="1"/>
             </a:ext>
           </a:extLst>
         </p:spPr>
@@ -7435,7 +7435,7 @@
           </a:ln>
           <a:extLst>
             <a:ext uri="{C572A759-6A51-4108-AA02-DFA0A04FC94B}">
-              <ma14:wrappingTextBoxFlag xmlns="" xmlns:m="http://schemas.openxmlformats.org/officeDocument/2006/math" xmlns:a14="http://schemas.microsoft.com/office/drawing/2010/main" xmlns:ma14="http://schemas.microsoft.com/office/mac/drawingml/2011/main" val="1"/>
+              <ma14:wrappingTextBoxFlag xmlns:ma14="http://schemas.microsoft.com/office/mac/drawingml/2011/main" xmlns:a14="http://schemas.microsoft.com/office/drawing/2010/main" xmlns:m="http://schemas.openxmlformats.org/officeDocument/2006/math" xmlns="" val="1"/>
             </a:ext>
           </a:extLst>
         </p:spPr>
@@ -7492,7 +7492,7 @@
           </a:ln>
           <a:extLst>
             <a:ext uri="{C572A759-6A51-4108-AA02-DFA0A04FC94B}">
-              <ma14:wrappingTextBoxFlag xmlns="" xmlns:m="http://schemas.openxmlformats.org/officeDocument/2006/math" xmlns:a14="http://schemas.microsoft.com/office/drawing/2010/main" xmlns:ma14="http://schemas.microsoft.com/office/mac/drawingml/2011/main" val="1"/>
+              <ma14:wrappingTextBoxFlag xmlns:ma14="http://schemas.microsoft.com/office/mac/drawingml/2011/main" xmlns:a14="http://schemas.microsoft.com/office/drawing/2010/main" xmlns:m="http://schemas.openxmlformats.org/officeDocument/2006/math" xmlns="" val="1"/>
             </a:ext>
           </a:extLst>
         </p:spPr>
@@ -8835,8 +8835,8 @@
             <a:chExt cx="4161240" cy="1518480"/>
           </a:xfrm>
         </p:grpSpPr>
-        <mc:AlternateContent xmlns:mc="http://schemas.openxmlformats.org/markup-compatibility/2006">
-          <mc:Choice xmlns:p14="http://schemas.microsoft.com/office/powerpoint/2010/main" Requires="p14">
+        <mc:AlternateContent xmlns:mc="http://schemas.openxmlformats.org/markup-compatibility/2006" xmlns:p14="http://schemas.microsoft.com/office/powerpoint/2010/main">
+          <mc:Choice Requires="p14">
             <p:contentPart p14:bwMode="auto" r:id="rId23">
               <p14:nvContentPartPr>
                 <p14:cNvPr id="16" name="Ink 15">
@@ -8855,7 +8855,7 @@
               </p14:xfrm>
             </p:contentPart>
           </mc:Choice>
-          <mc:Fallback>
+          <mc:Fallback xmlns="">
             <p:pic>
               <p:nvPicPr>
                 <p:cNvPr id="16" name="Ink 15">
@@ -8886,8 +8886,8 @@
             </p:pic>
           </mc:Fallback>
         </mc:AlternateContent>
-        <mc:AlternateContent xmlns:mc="http://schemas.openxmlformats.org/markup-compatibility/2006">
-          <mc:Choice xmlns:p14="http://schemas.microsoft.com/office/powerpoint/2010/main" Requires="p14">
+        <mc:AlternateContent xmlns:mc="http://schemas.openxmlformats.org/markup-compatibility/2006" xmlns:p14="http://schemas.microsoft.com/office/powerpoint/2010/main">
+          <mc:Choice Requires="p14">
             <p:contentPart p14:bwMode="auto" r:id="rId25">
               <p14:nvContentPartPr>
                 <p14:cNvPr id="17" name="Ink 16">
@@ -8906,7 +8906,7 @@
               </p14:xfrm>
             </p:contentPart>
           </mc:Choice>
-          <mc:Fallback>
+          <mc:Fallback xmlns="">
             <p:pic>
               <p:nvPicPr>
                 <p:cNvPr id="17" name="Ink 16">
@@ -8937,8 +8937,8 @@
             </p:pic>
           </mc:Fallback>
         </mc:AlternateContent>
-        <mc:AlternateContent xmlns:mc="http://schemas.openxmlformats.org/markup-compatibility/2006">
-          <mc:Choice xmlns:p14="http://schemas.microsoft.com/office/powerpoint/2010/main" Requires="p14">
+        <mc:AlternateContent xmlns:mc="http://schemas.openxmlformats.org/markup-compatibility/2006" xmlns:p14="http://schemas.microsoft.com/office/powerpoint/2010/main">
+          <mc:Choice Requires="p14">
             <p:contentPart p14:bwMode="auto" r:id="rId27">
               <p14:nvContentPartPr>
                 <p14:cNvPr id="19" name="Ink 18">
@@ -8957,7 +8957,7 @@
               </p14:xfrm>
             </p:contentPart>
           </mc:Choice>
-          <mc:Fallback>
+          <mc:Fallback xmlns="">
             <p:pic>
               <p:nvPicPr>
                 <p:cNvPr id="19" name="Ink 18">
@@ -8988,8 +8988,8 @@
             </p:pic>
           </mc:Fallback>
         </mc:AlternateContent>
-        <mc:AlternateContent xmlns:mc="http://schemas.openxmlformats.org/markup-compatibility/2006">
-          <mc:Choice xmlns:p14="http://schemas.microsoft.com/office/powerpoint/2010/main" Requires="p14">
+        <mc:AlternateContent xmlns:mc="http://schemas.openxmlformats.org/markup-compatibility/2006" xmlns:p14="http://schemas.microsoft.com/office/powerpoint/2010/main">
+          <mc:Choice Requires="p14">
             <p:contentPart p14:bwMode="auto" r:id="rId29">
               <p14:nvContentPartPr>
                 <p14:cNvPr id="21" name="Ink 20">
@@ -9008,7 +9008,7 @@
               </p14:xfrm>
             </p:contentPart>
           </mc:Choice>
-          <mc:Fallback>
+          <mc:Fallback xmlns="">
             <p:pic>
               <p:nvPicPr>
                 <p:cNvPr id="21" name="Ink 20">
@@ -9039,8 +9039,8 @@
             </p:pic>
           </mc:Fallback>
         </mc:AlternateContent>
-        <mc:AlternateContent xmlns:mc="http://schemas.openxmlformats.org/markup-compatibility/2006">
-          <mc:Choice xmlns:p14="http://schemas.microsoft.com/office/powerpoint/2010/main" Requires="p14">
+        <mc:AlternateContent xmlns:mc="http://schemas.openxmlformats.org/markup-compatibility/2006" xmlns:p14="http://schemas.microsoft.com/office/powerpoint/2010/main">
+          <mc:Choice Requires="p14">
             <p:contentPart p14:bwMode="auto" r:id="rId31">
               <p14:nvContentPartPr>
                 <p14:cNvPr id="23" name="Ink 22">
@@ -9059,7 +9059,7 @@
               </p14:xfrm>
             </p:contentPart>
           </mc:Choice>
-          <mc:Fallback>
+          <mc:Fallback xmlns="">
             <p:pic>
               <p:nvPicPr>
                 <p:cNvPr id="23" name="Ink 22">
@@ -9090,8 +9090,8 @@
             </p:pic>
           </mc:Fallback>
         </mc:AlternateContent>
-        <mc:AlternateContent xmlns:mc="http://schemas.openxmlformats.org/markup-compatibility/2006">
-          <mc:Choice xmlns:p14="http://schemas.microsoft.com/office/powerpoint/2010/main" Requires="p14">
+        <mc:AlternateContent xmlns:mc="http://schemas.openxmlformats.org/markup-compatibility/2006" xmlns:p14="http://schemas.microsoft.com/office/powerpoint/2010/main">
+          <mc:Choice Requires="p14">
             <p:contentPart p14:bwMode="auto" r:id="rId33">
               <p14:nvContentPartPr>
                 <p14:cNvPr id="25" name="Ink 24">
@@ -9110,7 +9110,7 @@
               </p14:xfrm>
             </p:contentPart>
           </mc:Choice>
-          <mc:Fallback>
+          <mc:Fallback xmlns="">
             <p:pic>
               <p:nvPicPr>
                 <p:cNvPr id="25" name="Ink 24">
@@ -10073,8 +10073,8 @@
             <a:chExt cx="3711240" cy="565200"/>
           </a:xfrm>
         </p:grpSpPr>
-        <mc:AlternateContent xmlns:mc="http://schemas.openxmlformats.org/markup-compatibility/2006">
-          <mc:Choice xmlns:p14="http://schemas.microsoft.com/office/powerpoint/2010/main" Requires="p14">
+        <mc:AlternateContent xmlns:mc="http://schemas.openxmlformats.org/markup-compatibility/2006" xmlns:p14="http://schemas.microsoft.com/office/powerpoint/2010/main">
+          <mc:Choice Requires="p14">
             <p:contentPart p14:bwMode="auto" r:id="rId23">
               <p14:nvContentPartPr>
                 <p14:cNvPr id="16" name="Ink 15">
@@ -10093,7 +10093,7 @@
               </p14:xfrm>
             </p:contentPart>
           </mc:Choice>
-          <mc:Fallback>
+          <mc:Fallback xmlns="">
             <p:pic>
               <p:nvPicPr>
                 <p:cNvPr id="16" name="Ink 15">
@@ -10124,8 +10124,8 @@
             </p:pic>
           </mc:Fallback>
         </mc:AlternateContent>
-        <mc:AlternateContent xmlns:mc="http://schemas.openxmlformats.org/markup-compatibility/2006">
-          <mc:Choice xmlns:p14="http://schemas.microsoft.com/office/powerpoint/2010/main" Requires="p14">
+        <mc:AlternateContent xmlns:mc="http://schemas.openxmlformats.org/markup-compatibility/2006" xmlns:p14="http://schemas.microsoft.com/office/powerpoint/2010/main">
+          <mc:Choice Requires="p14">
             <p:contentPart p14:bwMode="auto" r:id="rId25">
               <p14:nvContentPartPr>
                 <p14:cNvPr id="17" name="Ink 16">
@@ -10144,7 +10144,7 @@
               </p14:xfrm>
             </p:contentPart>
           </mc:Choice>
-          <mc:Fallback>
+          <mc:Fallback xmlns="">
             <p:pic>
               <p:nvPicPr>
                 <p:cNvPr id="17" name="Ink 16">
@@ -10175,8 +10175,8 @@
             </p:pic>
           </mc:Fallback>
         </mc:AlternateContent>
-        <mc:AlternateContent xmlns:mc="http://schemas.openxmlformats.org/markup-compatibility/2006">
-          <mc:Choice xmlns:p14="http://schemas.microsoft.com/office/powerpoint/2010/main" Requires="p14">
+        <mc:AlternateContent xmlns:mc="http://schemas.openxmlformats.org/markup-compatibility/2006" xmlns:p14="http://schemas.microsoft.com/office/powerpoint/2010/main">
+          <mc:Choice Requires="p14">
             <p:contentPart p14:bwMode="auto" r:id="rId27">
               <p14:nvContentPartPr>
                 <p14:cNvPr id="18" name="Ink 17">
@@ -10195,7 +10195,7 @@
               </p14:xfrm>
             </p:contentPart>
           </mc:Choice>
-          <mc:Fallback>
+          <mc:Fallback xmlns="">
             <p:pic>
               <p:nvPicPr>
                 <p:cNvPr id="18" name="Ink 17">
@@ -10548,8 +10548,8 @@
           </a:prstGeom>
         </p:spPr>
       </p:pic>
-      <mc:AlternateContent xmlns:mc="http://schemas.openxmlformats.org/markup-compatibility/2006">
-        <mc:Choice xmlns:p14="http://schemas.microsoft.com/office/powerpoint/2010/main" Requires="p14">
+      <mc:AlternateContent xmlns:mc="http://schemas.openxmlformats.org/markup-compatibility/2006" xmlns:p14="http://schemas.microsoft.com/office/powerpoint/2010/main">
+        <mc:Choice Requires="p14">
           <p:contentPart p14:bwMode="auto" r:id="rId3">
             <p14:nvContentPartPr>
               <p14:cNvPr id="4" name="Ink 3">
@@ -10568,7 +10568,7 @@
             </p14:xfrm>
           </p:contentPart>
         </mc:Choice>
-        <mc:Fallback>
+        <mc:Fallback xmlns="">
           <p:pic>
             <p:nvPicPr>
               <p:cNvPr id="4" name="Ink 3">
@@ -10599,8 +10599,8 @@
           </p:pic>
         </mc:Fallback>
       </mc:AlternateContent>
-      <mc:AlternateContent xmlns:mc="http://schemas.openxmlformats.org/markup-compatibility/2006">
-        <mc:Choice xmlns:p14="http://schemas.microsoft.com/office/powerpoint/2010/main" Requires="p14">
+      <mc:AlternateContent xmlns:mc="http://schemas.openxmlformats.org/markup-compatibility/2006" xmlns:p14="http://schemas.microsoft.com/office/powerpoint/2010/main">
+        <mc:Choice Requires="p14">
           <p:contentPart p14:bwMode="auto" r:id="rId5">
             <p14:nvContentPartPr>
               <p14:cNvPr id="7" name="Ink 6">
@@ -10619,7 +10619,7 @@
             </p14:xfrm>
           </p:contentPart>
         </mc:Choice>
-        <mc:Fallback>
+        <mc:Fallback xmlns="">
           <p:pic>
             <p:nvPicPr>
               <p:cNvPr id="7" name="Ink 6">
@@ -10650,8 +10650,8 @@
           </p:pic>
         </mc:Fallback>
       </mc:AlternateContent>
-      <mc:AlternateContent xmlns:mc="http://schemas.openxmlformats.org/markup-compatibility/2006">
-        <mc:Choice xmlns:p14="http://schemas.microsoft.com/office/powerpoint/2010/main" Requires="p14">
+      <mc:AlternateContent xmlns:mc="http://schemas.openxmlformats.org/markup-compatibility/2006" xmlns:p14="http://schemas.microsoft.com/office/powerpoint/2010/main">
+        <mc:Choice Requires="p14">
           <p:contentPart p14:bwMode="auto" r:id="rId7">
             <p14:nvContentPartPr>
               <p14:cNvPr id="8" name="Ink 7">
@@ -10670,7 +10670,7 @@
             </p14:xfrm>
           </p:contentPart>
         </mc:Choice>
-        <mc:Fallback>
+        <mc:Fallback xmlns="">
           <p:pic>
             <p:nvPicPr>
               <p:cNvPr id="8" name="Ink 7">
@@ -10701,8 +10701,8 @@
           </p:pic>
         </mc:Fallback>
       </mc:AlternateContent>
-      <mc:AlternateContent xmlns:mc="http://schemas.openxmlformats.org/markup-compatibility/2006">
-        <mc:Choice xmlns:p14="http://schemas.microsoft.com/office/powerpoint/2010/main" Requires="p14">
+      <mc:AlternateContent xmlns:mc="http://schemas.openxmlformats.org/markup-compatibility/2006" xmlns:p14="http://schemas.microsoft.com/office/powerpoint/2010/main">
+        <mc:Choice Requires="p14">
           <p:contentPart p14:bwMode="auto" r:id="rId8">
             <p14:nvContentPartPr>
               <p14:cNvPr id="9" name="Ink 8">
@@ -10721,7 +10721,7 @@
             </p14:xfrm>
           </p:contentPart>
         </mc:Choice>
-        <mc:Fallback>
+        <mc:Fallback xmlns="">
           <p:pic>
             <p:nvPicPr>
               <p:cNvPr id="9" name="Ink 8">
@@ -10752,8 +10752,8 @@
           </p:pic>
         </mc:Fallback>
       </mc:AlternateContent>
-      <mc:AlternateContent xmlns:mc="http://schemas.openxmlformats.org/markup-compatibility/2006">
-        <mc:Choice xmlns:p14="http://schemas.microsoft.com/office/powerpoint/2010/main" Requires="p14">
+      <mc:AlternateContent xmlns:mc="http://schemas.openxmlformats.org/markup-compatibility/2006" xmlns:p14="http://schemas.microsoft.com/office/powerpoint/2010/main">
+        <mc:Choice Requires="p14">
           <p:contentPart p14:bwMode="auto" r:id="rId10">
             <p14:nvContentPartPr>
               <p14:cNvPr id="10" name="Ink 9">
@@ -10772,7 +10772,7 @@
             </p14:xfrm>
           </p:contentPart>
         </mc:Choice>
-        <mc:Fallback>
+        <mc:Fallback xmlns="">
           <p:pic>
             <p:nvPicPr>
               <p:cNvPr id="10" name="Ink 9">
@@ -10803,8 +10803,8 @@
           </p:pic>
         </mc:Fallback>
       </mc:AlternateContent>
-      <mc:AlternateContent xmlns:mc="http://schemas.openxmlformats.org/markup-compatibility/2006">
-        <mc:Choice xmlns:p14="http://schemas.microsoft.com/office/powerpoint/2010/main" Requires="p14">
+      <mc:AlternateContent xmlns:mc="http://schemas.openxmlformats.org/markup-compatibility/2006" xmlns:p14="http://schemas.microsoft.com/office/powerpoint/2010/main">
+        <mc:Choice Requires="p14">
           <p:contentPart p14:bwMode="auto" r:id="rId12">
             <p14:nvContentPartPr>
               <p14:cNvPr id="11" name="Ink 10">
@@ -10823,7 +10823,7 @@
             </p14:xfrm>
           </p:contentPart>
         </mc:Choice>
-        <mc:Fallback>
+        <mc:Fallback xmlns="">
           <p:pic>
             <p:nvPicPr>
               <p:cNvPr id="11" name="Ink 10">
@@ -10854,8 +10854,8 @@
           </p:pic>
         </mc:Fallback>
       </mc:AlternateContent>
-      <mc:AlternateContent xmlns:mc="http://schemas.openxmlformats.org/markup-compatibility/2006">
-        <mc:Choice xmlns:p14="http://schemas.microsoft.com/office/powerpoint/2010/main" Requires="p14">
+      <mc:AlternateContent xmlns:mc="http://schemas.openxmlformats.org/markup-compatibility/2006" xmlns:p14="http://schemas.microsoft.com/office/powerpoint/2010/main">
+        <mc:Choice Requires="p14">
           <p:contentPart p14:bwMode="auto" r:id="rId14">
             <p14:nvContentPartPr>
               <p14:cNvPr id="12" name="Ink 11">
@@ -10874,7 +10874,7 @@
             </p14:xfrm>
           </p:contentPart>
         </mc:Choice>
-        <mc:Fallback>
+        <mc:Fallback xmlns="">
           <p:pic>
             <p:nvPicPr>
               <p:cNvPr id="12" name="Ink 11">
@@ -10905,8 +10905,8 @@
           </p:pic>
         </mc:Fallback>
       </mc:AlternateContent>
-      <mc:AlternateContent xmlns:mc="http://schemas.openxmlformats.org/markup-compatibility/2006">
-        <mc:Choice xmlns:p14="http://schemas.microsoft.com/office/powerpoint/2010/main" Requires="p14">
+      <mc:AlternateContent xmlns:mc="http://schemas.openxmlformats.org/markup-compatibility/2006" xmlns:p14="http://schemas.microsoft.com/office/powerpoint/2010/main">
+        <mc:Choice Requires="p14">
           <p:contentPart p14:bwMode="auto" r:id="rId16">
             <p14:nvContentPartPr>
               <p14:cNvPr id="13" name="Ink 12">
@@ -10925,7 +10925,7 @@
             </p14:xfrm>
           </p:contentPart>
         </mc:Choice>
-        <mc:Fallback>
+        <mc:Fallback xmlns="">
           <p:pic>
             <p:nvPicPr>
               <p:cNvPr id="13" name="Ink 12">
@@ -10956,8 +10956,8 @@
           </p:pic>
         </mc:Fallback>
       </mc:AlternateContent>
-      <mc:AlternateContent xmlns:mc="http://schemas.openxmlformats.org/markup-compatibility/2006">
-        <mc:Choice xmlns:p14="http://schemas.microsoft.com/office/powerpoint/2010/main" Requires="p14">
+      <mc:AlternateContent xmlns:mc="http://schemas.openxmlformats.org/markup-compatibility/2006" xmlns:p14="http://schemas.microsoft.com/office/powerpoint/2010/main">
+        <mc:Choice Requires="p14">
           <p:contentPart p14:bwMode="auto" r:id="rId18">
             <p14:nvContentPartPr>
               <p14:cNvPr id="14" name="Ink 13">
@@ -10976,7 +10976,7 @@
             </p14:xfrm>
           </p:contentPart>
         </mc:Choice>
-        <mc:Fallback>
+        <mc:Fallback xmlns="">
           <p:pic>
             <p:nvPicPr>
               <p:cNvPr id="14" name="Ink 13">
@@ -11007,8 +11007,8 @@
           </p:pic>
         </mc:Fallback>
       </mc:AlternateContent>
-      <mc:AlternateContent xmlns:mc="http://schemas.openxmlformats.org/markup-compatibility/2006">
-        <mc:Choice xmlns:p14="http://schemas.microsoft.com/office/powerpoint/2010/main" Requires="p14">
+      <mc:AlternateContent xmlns:mc="http://schemas.openxmlformats.org/markup-compatibility/2006" xmlns:p14="http://schemas.microsoft.com/office/powerpoint/2010/main">
+        <mc:Choice Requires="p14">
           <p:contentPart p14:bwMode="auto" r:id="rId20">
             <p14:nvContentPartPr>
               <p14:cNvPr id="15" name="Ink 14">
@@ -11027,7 +11027,7 @@
             </p14:xfrm>
           </p:contentPart>
         </mc:Choice>
-        <mc:Fallback>
+        <mc:Fallback xmlns="">
           <p:pic>
             <p:nvPicPr>
               <p:cNvPr id="15" name="Ink 14">
@@ -11409,8 +11409,8 @@
           </a:prstGeom>
         </p:spPr>
       </p:pic>
-      <mc:AlternateContent xmlns:mc="http://schemas.openxmlformats.org/markup-compatibility/2006">
-        <mc:Choice xmlns:p14="http://schemas.microsoft.com/office/powerpoint/2010/main" Requires="p14">
+      <mc:AlternateContent xmlns:mc="http://schemas.openxmlformats.org/markup-compatibility/2006" xmlns:p14="http://schemas.microsoft.com/office/powerpoint/2010/main">
+        <mc:Choice Requires="p14">
           <p:contentPart p14:bwMode="auto" r:id="rId4">
             <p14:nvContentPartPr>
               <p14:cNvPr id="5" name="Ink 4">
@@ -11429,7 +11429,7 @@
             </p14:xfrm>
           </p:contentPart>
         </mc:Choice>
-        <mc:Fallback>
+        <mc:Fallback xmlns="">
           <p:pic>
             <p:nvPicPr>
               <p:cNvPr id="5" name="Ink 4">
@@ -11460,8 +11460,8 @@
           </p:pic>
         </mc:Fallback>
       </mc:AlternateContent>
-      <mc:AlternateContent xmlns:mc="http://schemas.openxmlformats.org/markup-compatibility/2006">
-        <mc:Choice xmlns:p14="http://schemas.microsoft.com/office/powerpoint/2010/main" Requires="p14">
+      <mc:AlternateContent xmlns:mc="http://schemas.openxmlformats.org/markup-compatibility/2006" xmlns:p14="http://schemas.microsoft.com/office/powerpoint/2010/main">
+        <mc:Choice Requires="p14">
           <p:contentPart p14:bwMode="auto" r:id="rId6">
             <p14:nvContentPartPr>
               <p14:cNvPr id="7" name="Ink 6">
@@ -11480,7 +11480,7 @@
             </p14:xfrm>
           </p:contentPart>
         </mc:Choice>
-        <mc:Fallback>
+        <mc:Fallback xmlns="">
           <p:pic>
             <p:nvPicPr>
               <p:cNvPr id="7" name="Ink 6">
@@ -11511,8 +11511,8 @@
           </p:pic>
         </mc:Fallback>
       </mc:AlternateContent>
-      <mc:AlternateContent xmlns:mc="http://schemas.openxmlformats.org/markup-compatibility/2006">
-        <mc:Choice xmlns:p14="http://schemas.microsoft.com/office/powerpoint/2010/main" Requires="p14">
+      <mc:AlternateContent xmlns:mc="http://schemas.openxmlformats.org/markup-compatibility/2006" xmlns:p14="http://schemas.microsoft.com/office/powerpoint/2010/main">
+        <mc:Choice Requires="p14">
           <p:contentPart p14:bwMode="auto" r:id="rId8">
             <p14:nvContentPartPr>
               <p14:cNvPr id="8" name="Ink 7">
@@ -11531,7 +11531,7 @@
             </p14:xfrm>
           </p:contentPart>
         </mc:Choice>
-        <mc:Fallback>
+        <mc:Fallback xmlns="">
           <p:pic>
             <p:nvPicPr>
               <p:cNvPr id="8" name="Ink 7">
@@ -11562,8 +11562,8 @@
           </p:pic>
         </mc:Fallback>
       </mc:AlternateContent>
-      <mc:AlternateContent xmlns:mc="http://schemas.openxmlformats.org/markup-compatibility/2006">
-        <mc:Choice xmlns:p14="http://schemas.microsoft.com/office/powerpoint/2010/main" Requires="p14">
+      <mc:AlternateContent xmlns:mc="http://schemas.openxmlformats.org/markup-compatibility/2006" xmlns:p14="http://schemas.microsoft.com/office/powerpoint/2010/main">
+        <mc:Choice Requires="p14">
           <p:contentPart p14:bwMode="auto" r:id="rId10">
             <p14:nvContentPartPr>
               <p14:cNvPr id="9" name="Ink 8">
@@ -11582,7 +11582,7 @@
             </p14:xfrm>
           </p:contentPart>
         </mc:Choice>
-        <mc:Fallback>
+        <mc:Fallback xmlns="">
           <p:pic>
             <p:nvPicPr>
               <p:cNvPr id="9" name="Ink 8">
@@ -11613,8 +11613,8 @@
           </p:pic>
         </mc:Fallback>
       </mc:AlternateContent>
-      <mc:AlternateContent xmlns:mc="http://schemas.openxmlformats.org/markup-compatibility/2006">
-        <mc:Choice xmlns:p14="http://schemas.microsoft.com/office/powerpoint/2010/main" Requires="p14">
+      <mc:AlternateContent xmlns:mc="http://schemas.openxmlformats.org/markup-compatibility/2006" xmlns:p14="http://schemas.microsoft.com/office/powerpoint/2010/main">
+        <mc:Choice Requires="p14">
           <p:contentPart p14:bwMode="auto" r:id="rId12">
             <p14:nvContentPartPr>
               <p14:cNvPr id="10" name="Ink 9">
@@ -11633,7 +11633,7 @@
             </p14:xfrm>
           </p:contentPart>
         </mc:Choice>
-        <mc:Fallback>
+        <mc:Fallback xmlns="">
           <p:pic>
             <p:nvPicPr>
               <p:cNvPr id="10" name="Ink 9">
@@ -11664,8 +11664,8 @@
           </p:pic>
         </mc:Fallback>
       </mc:AlternateContent>
-      <mc:AlternateContent xmlns:mc="http://schemas.openxmlformats.org/markup-compatibility/2006">
-        <mc:Choice xmlns:p14="http://schemas.microsoft.com/office/powerpoint/2010/main" Requires="p14">
+      <mc:AlternateContent xmlns:mc="http://schemas.openxmlformats.org/markup-compatibility/2006" xmlns:p14="http://schemas.microsoft.com/office/powerpoint/2010/main">
+        <mc:Choice Requires="p14">
           <p:contentPart p14:bwMode="auto" r:id="rId14">
             <p14:nvContentPartPr>
               <p14:cNvPr id="11" name="Ink 10">
@@ -11684,7 +11684,7 @@
             </p14:xfrm>
           </p:contentPart>
         </mc:Choice>
-        <mc:Fallback>
+        <mc:Fallback xmlns="">
           <p:pic>
             <p:nvPicPr>
               <p:cNvPr id="11" name="Ink 10">
@@ -11715,8 +11715,8 @@
           </p:pic>
         </mc:Fallback>
       </mc:AlternateContent>
-      <mc:AlternateContent xmlns:mc="http://schemas.openxmlformats.org/markup-compatibility/2006">
-        <mc:Choice xmlns:p14="http://schemas.microsoft.com/office/powerpoint/2010/main" Requires="p14">
+      <mc:AlternateContent xmlns:mc="http://schemas.openxmlformats.org/markup-compatibility/2006" xmlns:p14="http://schemas.microsoft.com/office/powerpoint/2010/main">
+        <mc:Choice Requires="p14">
           <p:contentPart p14:bwMode="auto" r:id="rId16">
             <p14:nvContentPartPr>
               <p14:cNvPr id="12" name="Ink 11">
@@ -11735,7 +11735,7 @@
             </p14:xfrm>
           </p:contentPart>
         </mc:Choice>
-        <mc:Fallback>
+        <mc:Fallback xmlns="">
           <p:pic>
             <p:nvPicPr>
               <p:cNvPr id="12" name="Ink 11">
@@ -11766,8 +11766,8 @@
           </p:pic>
         </mc:Fallback>
       </mc:AlternateContent>
-      <mc:AlternateContent xmlns:mc="http://schemas.openxmlformats.org/markup-compatibility/2006">
-        <mc:Choice xmlns:p14="http://schemas.microsoft.com/office/powerpoint/2010/main" Requires="p14">
+      <mc:AlternateContent xmlns:mc="http://schemas.openxmlformats.org/markup-compatibility/2006" xmlns:p14="http://schemas.microsoft.com/office/powerpoint/2010/main">
+        <mc:Choice Requires="p14">
           <p:contentPart p14:bwMode="auto" r:id="rId18">
             <p14:nvContentPartPr>
               <p14:cNvPr id="13" name="Ink 12">
@@ -11786,7 +11786,7 @@
             </p14:xfrm>
           </p:contentPart>
         </mc:Choice>
-        <mc:Fallback>
+        <mc:Fallback xmlns="">
           <p:pic>
             <p:nvPicPr>
               <p:cNvPr id="13" name="Ink 12">
@@ -11817,8 +11817,8 @@
           </p:pic>
         </mc:Fallback>
       </mc:AlternateContent>
-      <mc:AlternateContent xmlns:mc="http://schemas.openxmlformats.org/markup-compatibility/2006">
-        <mc:Choice xmlns:p14="http://schemas.microsoft.com/office/powerpoint/2010/main" Requires="p14">
+      <mc:AlternateContent xmlns:mc="http://schemas.openxmlformats.org/markup-compatibility/2006" xmlns:p14="http://schemas.microsoft.com/office/powerpoint/2010/main">
+        <mc:Choice Requires="p14">
           <p:contentPart p14:bwMode="auto" r:id="rId20">
             <p14:nvContentPartPr>
               <p14:cNvPr id="14" name="Ink 13">
@@ -11837,7 +11837,7 @@
             </p14:xfrm>
           </p:contentPart>
         </mc:Choice>
-        <mc:Fallback>
+        <mc:Fallback xmlns="">
           <p:pic>
             <p:nvPicPr>
               <p:cNvPr id="14" name="Ink 13">
@@ -12063,8 +12063,8 @@
           </a:prstGeom>
         </p:spPr>
       </p:pic>
-      <mc:AlternateContent xmlns:mc="http://schemas.openxmlformats.org/markup-compatibility/2006">
-        <mc:Choice xmlns:p14="http://schemas.microsoft.com/office/powerpoint/2010/main" Requires="p14">
+      <mc:AlternateContent xmlns:mc="http://schemas.openxmlformats.org/markup-compatibility/2006" xmlns:p14="http://schemas.microsoft.com/office/powerpoint/2010/main">
+        <mc:Choice Requires="p14">
           <p:contentPart p14:bwMode="auto" r:id="rId3">
             <p14:nvContentPartPr>
               <p14:cNvPr id="3" name="Ink 2">
@@ -12083,7 +12083,7 @@
             </p14:xfrm>
           </p:contentPart>
         </mc:Choice>
-        <mc:Fallback>
+        <mc:Fallback xmlns="">
           <p:pic>
             <p:nvPicPr>
               <p:cNvPr id="3" name="Ink 2">
@@ -12114,8 +12114,8 @@
           </p:pic>
         </mc:Fallback>
       </mc:AlternateContent>
-      <mc:AlternateContent xmlns:mc="http://schemas.openxmlformats.org/markup-compatibility/2006">
-        <mc:Choice xmlns:p14="http://schemas.microsoft.com/office/powerpoint/2010/main" Requires="p14">
+      <mc:AlternateContent xmlns:mc="http://schemas.openxmlformats.org/markup-compatibility/2006" xmlns:p14="http://schemas.microsoft.com/office/powerpoint/2010/main">
+        <mc:Choice Requires="p14">
           <p:contentPart p14:bwMode="auto" r:id="rId5">
             <p14:nvContentPartPr>
               <p14:cNvPr id="5" name="Ink 4">
@@ -12134,7 +12134,7 @@
             </p14:xfrm>
           </p:contentPart>
         </mc:Choice>
-        <mc:Fallback>
+        <mc:Fallback xmlns="">
           <p:pic>
             <p:nvPicPr>
               <p:cNvPr id="5" name="Ink 4">
@@ -12165,8 +12165,8 @@
           </p:pic>
         </mc:Fallback>
       </mc:AlternateContent>
-      <mc:AlternateContent xmlns:mc="http://schemas.openxmlformats.org/markup-compatibility/2006">
-        <mc:Choice xmlns:p14="http://schemas.microsoft.com/office/powerpoint/2010/main" Requires="p14">
+      <mc:AlternateContent xmlns:mc="http://schemas.openxmlformats.org/markup-compatibility/2006" xmlns:p14="http://schemas.microsoft.com/office/powerpoint/2010/main">
+        <mc:Choice Requires="p14">
           <p:contentPart p14:bwMode="auto" r:id="rId7">
             <p14:nvContentPartPr>
               <p14:cNvPr id="7" name="Ink 6">
@@ -12185,7 +12185,7 @@
             </p14:xfrm>
           </p:contentPart>
         </mc:Choice>
-        <mc:Fallback>
+        <mc:Fallback xmlns="">
           <p:pic>
             <p:nvPicPr>
               <p:cNvPr id="7" name="Ink 6">
@@ -12411,8 +12411,8 @@
           </a:prstGeom>
         </p:spPr>
       </p:pic>
-      <mc:AlternateContent xmlns:mc="http://schemas.openxmlformats.org/markup-compatibility/2006">
-        <mc:Choice xmlns:p14="http://schemas.microsoft.com/office/powerpoint/2010/main" Requires="p14">
+      <mc:AlternateContent xmlns:mc="http://schemas.openxmlformats.org/markup-compatibility/2006" xmlns:p14="http://schemas.microsoft.com/office/powerpoint/2010/main">
+        <mc:Choice Requires="p14">
           <p:contentPart p14:bwMode="auto" r:id="rId3">
             <p14:nvContentPartPr>
               <p14:cNvPr id="4" name="Ink 3">
@@ -12431,7 +12431,7 @@
             </p14:xfrm>
           </p:contentPart>
         </mc:Choice>
-        <mc:Fallback>
+        <mc:Fallback xmlns="">
           <p:pic>
             <p:nvPicPr>
               <p:cNvPr id="4" name="Ink 3">
@@ -12462,8 +12462,8 @@
           </p:pic>
         </mc:Fallback>
       </mc:AlternateContent>
-      <mc:AlternateContent xmlns:mc="http://schemas.openxmlformats.org/markup-compatibility/2006">
-        <mc:Choice xmlns:p14="http://schemas.microsoft.com/office/powerpoint/2010/main" Requires="p14">
+      <mc:AlternateContent xmlns:mc="http://schemas.openxmlformats.org/markup-compatibility/2006" xmlns:p14="http://schemas.microsoft.com/office/powerpoint/2010/main">
+        <mc:Choice Requires="p14">
           <p:contentPart p14:bwMode="auto" r:id="rId5">
             <p14:nvContentPartPr>
               <p14:cNvPr id="6" name="Ink 5">
@@ -12482,7 +12482,7 @@
             </p14:xfrm>
           </p:contentPart>
         </mc:Choice>
-        <mc:Fallback>
+        <mc:Fallback xmlns="">
           <p:pic>
             <p:nvPicPr>
               <p:cNvPr id="6" name="Ink 5">
@@ -12513,8 +12513,8 @@
           </p:pic>
         </mc:Fallback>
       </mc:AlternateContent>
-      <mc:AlternateContent xmlns:mc="http://schemas.openxmlformats.org/markup-compatibility/2006">
-        <mc:Choice xmlns:p14="http://schemas.microsoft.com/office/powerpoint/2010/main" Requires="p14">
+      <mc:AlternateContent xmlns:mc="http://schemas.openxmlformats.org/markup-compatibility/2006" xmlns:p14="http://schemas.microsoft.com/office/powerpoint/2010/main">
+        <mc:Choice Requires="p14">
           <p:contentPart p14:bwMode="auto" r:id="rId7">
             <p14:nvContentPartPr>
               <p14:cNvPr id="7" name="Ink 6">
@@ -12533,7 +12533,7 @@
             </p14:xfrm>
           </p:contentPart>
         </mc:Choice>
-        <mc:Fallback>
+        <mc:Fallback xmlns="">
           <p:pic>
             <p:nvPicPr>
               <p:cNvPr id="7" name="Ink 6">
@@ -12741,8 +12741,8 @@
           </a:prstGeom>
         </p:spPr>
       </p:pic>
-      <mc:AlternateContent xmlns:mc="http://schemas.openxmlformats.org/markup-compatibility/2006">
-        <mc:Choice xmlns:p14="http://schemas.microsoft.com/office/powerpoint/2010/main" Requires="p14">
+      <mc:AlternateContent xmlns:mc="http://schemas.openxmlformats.org/markup-compatibility/2006" xmlns:p14="http://schemas.microsoft.com/office/powerpoint/2010/main">
+        <mc:Choice Requires="p14">
           <p:contentPart p14:bwMode="auto" r:id="rId3">
             <p14:nvContentPartPr>
               <p14:cNvPr id="4" name="Ink 3">
@@ -12761,7 +12761,7 @@
             </p14:xfrm>
           </p:contentPart>
         </mc:Choice>
-        <mc:Fallback>
+        <mc:Fallback xmlns="">
           <p:pic>
             <p:nvPicPr>
               <p:cNvPr id="4" name="Ink 3">
@@ -12792,8 +12792,8 @@
           </p:pic>
         </mc:Fallback>
       </mc:AlternateContent>
-      <mc:AlternateContent xmlns:mc="http://schemas.openxmlformats.org/markup-compatibility/2006">
-        <mc:Choice xmlns:p14="http://schemas.microsoft.com/office/powerpoint/2010/main" Requires="p14">
+      <mc:AlternateContent xmlns:mc="http://schemas.openxmlformats.org/markup-compatibility/2006" xmlns:p14="http://schemas.microsoft.com/office/powerpoint/2010/main">
+        <mc:Choice Requires="p14">
           <p:contentPart p14:bwMode="auto" r:id="rId5">
             <p14:nvContentPartPr>
               <p14:cNvPr id="6" name="Ink 5">
@@ -12812,7 +12812,7 @@
             </p14:xfrm>
           </p:contentPart>
         </mc:Choice>
-        <mc:Fallback>
+        <mc:Fallback xmlns="">
           <p:pic>
             <p:nvPicPr>
               <p:cNvPr id="6" name="Ink 5">
@@ -12843,8 +12843,8 @@
           </p:pic>
         </mc:Fallback>
       </mc:AlternateContent>
-      <mc:AlternateContent xmlns:mc="http://schemas.openxmlformats.org/markup-compatibility/2006">
-        <mc:Choice xmlns:p14="http://schemas.microsoft.com/office/powerpoint/2010/main" Requires="p14">
+      <mc:AlternateContent xmlns:mc="http://schemas.openxmlformats.org/markup-compatibility/2006" xmlns:p14="http://schemas.microsoft.com/office/powerpoint/2010/main">
+        <mc:Choice Requires="p14">
           <p:contentPart p14:bwMode="auto" r:id="rId7">
             <p14:nvContentPartPr>
               <p14:cNvPr id="7" name="Ink 6">
@@ -12863,7 +12863,7 @@
             </p14:xfrm>
           </p:contentPart>
         </mc:Choice>
-        <mc:Fallback>
+        <mc:Fallback xmlns="">
           <p:pic>
             <p:nvPicPr>
               <p:cNvPr id="7" name="Ink 6">
@@ -12894,8 +12894,8 @@
           </p:pic>
         </mc:Fallback>
       </mc:AlternateContent>
-      <mc:AlternateContent xmlns:mc="http://schemas.openxmlformats.org/markup-compatibility/2006">
-        <mc:Choice xmlns:p14="http://schemas.microsoft.com/office/powerpoint/2010/main" Requires="p14">
+      <mc:AlternateContent xmlns:mc="http://schemas.openxmlformats.org/markup-compatibility/2006" xmlns:p14="http://schemas.microsoft.com/office/powerpoint/2010/main">
+        <mc:Choice Requires="p14">
           <p:contentPart p14:bwMode="auto" r:id="rId9">
             <p14:nvContentPartPr>
               <p14:cNvPr id="8" name="Ink 7">
@@ -12914,7 +12914,7 @@
             </p14:xfrm>
           </p:contentPart>
         </mc:Choice>
-        <mc:Fallback>
+        <mc:Fallback xmlns="">
           <p:pic>
             <p:nvPicPr>
               <p:cNvPr id="8" name="Ink 7">
@@ -12945,8 +12945,8 @@
           </p:pic>
         </mc:Fallback>
       </mc:AlternateContent>
-      <mc:AlternateContent xmlns:mc="http://schemas.openxmlformats.org/markup-compatibility/2006">
-        <mc:Choice xmlns:p14="http://schemas.microsoft.com/office/powerpoint/2010/main" Requires="p14">
+      <mc:AlternateContent xmlns:mc="http://schemas.openxmlformats.org/markup-compatibility/2006" xmlns:p14="http://schemas.microsoft.com/office/powerpoint/2010/main">
+        <mc:Choice Requires="p14">
           <p:contentPart p14:bwMode="auto" r:id="rId11">
             <p14:nvContentPartPr>
               <p14:cNvPr id="9" name="Ink 8">
@@ -12965,7 +12965,7 @@
             </p14:xfrm>
           </p:contentPart>
         </mc:Choice>
-        <mc:Fallback>
+        <mc:Fallback xmlns="">
           <p:pic>
             <p:nvPicPr>
               <p:cNvPr id="9" name="Ink 8">
@@ -12996,8 +12996,8 @@
           </p:pic>
         </mc:Fallback>
       </mc:AlternateContent>
-      <mc:AlternateContent xmlns:mc="http://schemas.openxmlformats.org/markup-compatibility/2006">
-        <mc:Choice xmlns:p14="http://schemas.microsoft.com/office/powerpoint/2010/main" Requires="p14">
+      <mc:AlternateContent xmlns:mc="http://schemas.openxmlformats.org/markup-compatibility/2006" xmlns:p14="http://schemas.microsoft.com/office/powerpoint/2010/main">
+        <mc:Choice Requires="p14">
           <p:contentPart p14:bwMode="auto" r:id="rId13">
             <p14:nvContentPartPr>
               <p14:cNvPr id="11" name="Ink 10">
@@ -13016,7 +13016,7 @@
             </p14:xfrm>
           </p:contentPart>
         </mc:Choice>
-        <mc:Fallback>
+        <mc:Fallback xmlns="">
           <p:pic>
             <p:nvPicPr>
               <p:cNvPr id="11" name="Ink 10">
@@ -13047,8 +13047,8 @@
           </p:pic>
         </mc:Fallback>
       </mc:AlternateContent>
-      <mc:AlternateContent xmlns:mc="http://schemas.openxmlformats.org/markup-compatibility/2006">
-        <mc:Choice xmlns:p14="http://schemas.microsoft.com/office/powerpoint/2010/main" Requires="p14">
+      <mc:AlternateContent xmlns:mc="http://schemas.openxmlformats.org/markup-compatibility/2006" xmlns:p14="http://schemas.microsoft.com/office/powerpoint/2010/main">
+        <mc:Choice Requires="p14">
           <p:contentPart p14:bwMode="auto" r:id="rId15">
             <p14:nvContentPartPr>
               <p14:cNvPr id="12" name="Ink 11">
@@ -13067,7 +13067,7 @@
             </p14:xfrm>
           </p:contentPart>
         </mc:Choice>
-        <mc:Fallback>
+        <mc:Fallback xmlns="">
           <p:pic>
             <p:nvPicPr>
               <p:cNvPr id="12" name="Ink 11">
@@ -14173,8 +14173,8 @@
           </a:prstGeom>
         </p:spPr>
       </p:pic>
-      <mc:AlternateContent xmlns:mc="http://schemas.openxmlformats.org/markup-compatibility/2006">
-        <mc:Choice xmlns:p14="http://schemas.microsoft.com/office/powerpoint/2010/main" Requires="p14">
+      <mc:AlternateContent xmlns:mc="http://schemas.openxmlformats.org/markup-compatibility/2006" xmlns:p14="http://schemas.microsoft.com/office/powerpoint/2010/main">
+        <mc:Choice Requires="p14">
           <p:contentPart p14:bwMode="auto" r:id="rId3">
             <p14:nvContentPartPr>
               <p14:cNvPr id="4" name="Ink 3">
@@ -14193,7 +14193,7 @@
             </p14:xfrm>
           </p:contentPart>
         </mc:Choice>
-        <mc:Fallback>
+        <mc:Fallback xmlns="">
           <p:pic>
             <p:nvPicPr>
               <p:cNvPr id="4" name="Ink 3">
@@ -14224,8 +14224,8 @@
           </p:pic>
         </mc:Fallback>
       </mc:AlternateContent>
-      <mc:AlternateContent xmlns:mc="http://schemas.openxmlformats.org/markup-compatibility/2006">
-        <mc:Choice xmlns:p14="http://schemas.microsoft.com/office/powerpoint/2010/main" Requires="p14">
+      <mc:AlternateContent xmlns:mc="http://schemas.openxmlformats.org/markup-compatibility/2006" xmlns:p14="http://schemas.microsoft.com/office/powerpoint/2010/main">
+        <mc:Choice Requires="p14">
           <p:contentPart p14:bwMode="auto" r:id="rId5">
             <p14:nvContentPartPr>
               <p14:cNvPr id="5" name="Ink 4">
@@ -14244,7 +14244,7 @@
             </p14:xfrm>
           </p:contentPart>
         </mc:Choice>
-        <mc:Fallback>
+        <mc:Fallback xmlns="">
           <p:pic>
             <p:nvPicPr>
               <p:cNvPr id="5" name="Ink 4">
@@ -18123,7 +18123,7 @@
           </a:prstGeom>
           <a:extLst>
             <a:ext uri="{C572A759-6A51-4108-AA02-DFA0A04FC94B}">
-              <ma14:wrappingTextBoxFlag xmlns="" xmlns:m="http://schemas.openxmlformats.org/officeDocument/2006/math" xmlns:a14="http://schemas.microsoft.com/office/drawing/2010/main" xmlns:ma14="http://schemas.microsoft.com/office/mac/drawingml/2011/main" val="1"/>
+              <ma14:wrappingTextBoxFlag xmlns:ma14="http://schemas.microsoft.com/office/mac/drawingml/2011/main" xmlns:a14="http://schemas.microsoft.com/office/drawing/2010/main" xmlns:m="http://schemas.openxmlformats.org/officeDocument/2006/math" xmlns="" val="1"/>
             </a:ext>
           </a:extLst>
         </p:spPr>
@@ -18407,7 +18407,7 @@
           </a:prstGeom>
           <a:extLst>
             <a:ext uri="{C572A759-6A51-4108-AA02-DFA0A04FC94B}">
-              <ma14:wrappingTextBoxFlag xmlns="" xmlns:m="http://schemas.openxmlformats.org/officeDocument/2006/math" xmlns:a14="http://schemas.microsoft.com/office/drawing/2010/main" xmlns:ma14="http://schemas.microsoft.com/office/mac/drawingml/2011/main" val="1"/>
+              <ma14:wrappingTextBoxFlag xmlns:ma14="http://schemas.microsoft.com/office/mac/drawingml/2011/main" xmlns:a14="http://schemas.microsoft.com/office/drawing/2010/main" xmlns:m="http://schemas.openxmlformats.org/officeDocument/2006/math" xmlns="" val="1"/>
             </a:ext>
           </a:extLst>
         </p:spPr>
@@ -20485,7 +20485,7 @@
           </a:ln>
           <a:extLst>
             <a:ext uri="{C572A759-6A51-4108-AA02-DFA0A04FC94B}">
-              <ma14:wrappingTextBoxFlag xmlns="" xmlns:m="http://schemas.openxmlformats.org/officeDocument/2006/math" xmlns:a14="http://schemas.microsoft.com/office/drawing/2010/main" xmlns:ma14="http://schemas.microsoft.com/office/mac/drawingml/2011/main" val="1"/>
+              <ma14:wrappingTextBoxFlag xmlns:ma14="http://schemas.microsoft.com/office/mac/drawingml/2011/main" xmlns:a14="http://schemas.microsoft.com/office/drawing/2010/main" xmlns:m="http://schemas.openxmlformats.org/officeDocument/2006/math" xmlns="" val="1"/>
             </a:ext>
           </a:extLst>
         </p:spPr>
@@ -20578,7 +20578,7 @@
           </a:ln>
           <a:extLst>
             <a:ext uri="{C572A759-6A51-4108-AA02-DFA0A04FC94B}">
-              <ma14:wrappingTextBoxFlag xmlns="" xmlns:m="http://schemas.openxmlformats.org/officeDocument/2006/math" xmlns:a14="http://schemas.microsoft.com/office/drawing/2010/main" xmlns:ma14="http://schemas.microsoft.com/office/mac/drawingml/2011/main" val="1"/>
+              <ma14:wrappingTextBoxFlag xmlns:ma14="http://schemas.microsoft.com/office/mac/drawingml/2011/main" xmlns:a14="http://schemas.microsoft.com/office/drawing/2010/main" xmlns:m="http://schemas.openxmlformats.org/officeDocument/2006/math" xmlns="" val="1"/>
             </a:ext>
           </a:extLst>
         </p:spPr>
@@ -20672,7 +20672,7 @@
           </a:ln>
           <a:extLst>
             <a:ext uri="{C572A759-6A51-4108-AA02-DFA0A04FC94B}">
-              <ma14:wrappingTextBoxFlag xmlns="" xmlns:m="http://schemas.openxmlformats.org/officeDocument/2006/math" xmlns:a14="http://schemas.microsoft.com/office/drawing/2010/main" xmlns:ma14="http://schemas.microsoft.com/office/mac/drawingml/2011/main" val="1"/>
+              <ma14:wrappingTextBoxFlag xmlns:ma14="http://schemas.microsoft.com/office/mac/drawingml/2011/main" xmlns:a14="http://schemas.microsoft.com/office/drawing/2010/main" xmlns:m="http://schemas.openxmlformats.org/officeDocument/2006/math" xmlns="" val="1"/>
             </a:ext>
           </a:extLst>
         </p:spPr>
@@ -20755,7 +20755,7 @@
           </a:ln>
           <a:extLst>
             <a:ext uri="{C572A759-6A51-4108-AA02-DFA0A04FC94B}">
-              <ma14:wrappingTextBoxFlag xmlns="" xmlns:m="http://schemas.openxmlformats.org/officeDocument/2006/math" xmlns:a14="http://schemas.microsoft.com/office/drawing/2010/main" xmlns:ma14="http://schemas.microsoft.com/office/mac/drawingml/2011/main" val="1"/>
+              <ma14:wrappingTextBoxFlag xmlns:ma14="http://schemas.microsoft.com/office/mac/drawingml/2011/main" xmlns:a14="http://schemas.microsoft.com/office/drawing/2010/main" xmlns:m="http://schemas.openxmlformats.org/officeDocument/2006/math" xmlns="" val="1"/>
             </a:ext>
           </a:extLst>
         </p:spPr>
@@ -20798,7 +20798,7 @@
           </a:ln>
           <a:extLst>
             <a:ext uri="{C572A759-6A51-4108-AA02-DFA0A04FC94B}">
-              <ma14:wrappingTextBoxFlag xmlns="" xmlns:m="http://schemas.openxmlformats.org/officeDocument/2006/math" xmlns:a14="http://schemas.microsoft.com/office/drawing/2010/main" xmlns:ma14="http://schemas.microsoft.com/office/mac/drawingml/2011/main" val="1"/>
+              <ma14:wrappingTextBoxFlag xmlns:ma14="http://schemas.microsoft.com/office/mac/drawingml/2011/main" xmlns:a14="http://schemas.microsoft.com/office/drawing/2010/main" xmlns:m="http://schemas.openxmlformats.org/officeDocument/2006/math" xmlns="" val="1"/>
             </a:ext>
           </a:extLst>
         </p:spPr>
@@ -20837,7 +20837,7 @@
           </a:ln>
           <a:extLst>
             <a:ext uri="{C572A759-6A51-4108-AA02-DFA0A04FC94B}">
-              <ma14:wrappingTextBoxFlag xmlns="" xmlns:m="http://schemas.openxmlformats.org/officeDocument/2006/math" xmlns:a14="http://schemas.microsoft.com/office/drawing/2010/main" xmlns:ma14="http://schemas.microsoft.com/office/mac/drawingml/2011/main" val="1"/>
+              <ma14:wrappingTextBoxFlag xmlns:ma14="http://schemas.microsoft.com/office/mac/drawingml/2011/main" xmlns:a14="http://schemas.microsoft.com/office/drawing/2010/main" xmlns:m="http://schemas.openxmlformats.org/officeDocument/2006/math" xmlns="" val="1"/>
             </a:ext>
           </a:extLst>
         </p:spPr>
@@ -20884,7 +20884,7 @@
           </a:prstGeom>
           <a:extLst>
             <a:ext uri="{C572A759-6A51-4108-AA02-DFA0A04FC94B}">
-              <ma14:wrappingTextBoxFlag xmlns="" xmlns:m="http://schemas.openxmlformats.org/officeDocument/2006/math" xmlns:a14="http://schemas.microsoft.com/office/drawing/2010/main" xmlns:ma14="http://schemas.microsoft.com/office/mac/drawingml/2011/main" val="1"/>
+              <ma14:wrappingTextBoxFlag xmlns:ma14="http://schemas.microsoft.com/office/mac/drawingml/2011/main" xmlns:a14="http://schemas.microsoft.com/office/drawing/2010/main" xmlns:m="http://schemas.openxmlformats.org/officeDocument/2006/math" xmlns="" val="1"/>
             </a:ext>
           </a:extLst>
         </p:spPr>
@@ -20900,8 +20900,8 @@
           </a:p>
         </p:txBody>
       </p:sp>
-      <mc:AlternateContent xmlns:mc="http://schemas.openxmlformats.org/markup-compatibility/2006">
-        <mc:Choice xmlns:p14="http://schemas.microsoft.com/office/powerpoint/2010/main" Requires="p14">
+      <mc:AlternateContent xmlns:mc="http://schemas.openxmlformats.org/markup-compatibility/2006" xmlns:p14="http://schemas.microsoft.com/office/powerpoint/2010/main">
+        <mc:Choice Requires="p14">
           <p:contentPart p14:bwMode="auto" r:id="rId2">
             <p14:nvContentPartPr>
               <p14:cNvPr id="2" name="Ink 1">
@@ -20920,7 +20920,7 @@
             </p14:xfrm>
           </p:contentPart>
         </mc:Choice>
-        <mc:Fallback>
+        <mc:Fallback xmlns="">
           <p:pic>
             <p:nvPicPr>
               <p:cNvPr id="2" name="Ink 1">
@@ -20951,8 +20951,8 @@
           </p:pic>
         </mc:Fallback>
       </mc:AlternateContent>
-      <mc:AlternateContent xmlns:mc="http://schemas.openxmlformats.org/markup-compatibility/2006">
-        <mc:Choice xmlns:p14="http://schemas.microsoft.com/office/powerpoint/2010/main" Requires="p14">
+      <mc:AlternateContent xmlns:mc="http://schemas.openxmlformats.org/markup-compatibility/2006" xmlns:p14="http://schemas.microsoft.com/office/powerpoint/2010/main">
+        <mc:Choice Requires="p14">
           <p:contentPart p14:bwMode="auto" r:id="rId4">
             <p14:nvContentPartPr>
               <p14:cNvPr id="3" name="Ink 2">
@@ -20971,7 +20971,7 @@
             </p14:xfrm>
           </p:contentPart>
         </mc:Choice>
-        <mc:Fallback>
+        <mc:Fallback xmlns="">
           <p:pic>
             <p:nvPicPr>
               <p:cNvPr id="3" name="Ink 2">
@@ -21002,8 +21002,8 @@
           </p:pic>
         </mc:Fallback>
       </mc:AlternateContent>
-      <mc:AlternateContent xmlns:mc="http://schemas.openxmlformats.org/markup-compatibility/2006">
-        <mc:Choice xmlns:p14="http://schemas.microsoft.com/office/powerpoint/2010/main" Requires="p14">
+      <mc:AlternateContent xmlns:mc="http://schemas.openxmlformats.org/markup-compatibility/2006" xmlns:p14="http://schemas.microsoft.com/office/powerpoint/2010/main">
+        <mc:Choice Requires="p14">
           <p:contentPart p14:bwMode="auto" r:id="rId6">
             <p14:nvContentPartPr>
               <p14:cNvPr id="4" name="Ink 3">
@@ -21022,7 +21022,7 @@
             </p14:xfrm>
           </p:contentPart>
         </mc:Choice>
-        <mc:Fallback>
+        <mc:Fallback xmlns="">
           <p:pic>
             <p:nvPicPr>
               <p:cNvPr id="4" name="Ink 3">
@@ -21053,8 +21053,8 @@
           </p:pic>
         </mc:Fallback>
       </mc:AlternateContent>
-      <mc:AlternateContent xmlns:mc="http://schemas.openxmlformats.org/markup-compatibility/2006">
-        <mc:Choice xmlns:p14="http://schemas.microsoft.com/office/powerpoint/2010/main" Requires="p14">
+      <mc:AlternateContent xmlns:mc="http://schemas.openxmlformats.org/markup-compatibility/2006" xmlns:p14="http://schemas.microsoft.com/office/powerpoint/2010/main">
+        <mc:Choice Requires="p14">
           <p:contentPart p14:bwMode="auto" r:id="rId8">
             <p14:nvContentPartPr>
               <p14:cNvPr id="5" name="Ink 4">
@@ -21073,7 +21073,7 @@
             </p14:xfrm>
           </p:contentPart>
         </mc:Choice>
-        <mc:Fallback>
+        <mc:Fallback xmlns="">
           <p:pic>
             <p:nvPicPr>
               <p:cNvPr id="5" name="Ink 4">
@@ -21104,8 +21104,8 @@
           </p:pic>
         </mc:Fallback>
       </mc:AlternateContent>
-      <mc:AlternateContent xmlns:mc="http://schemas.openxmlformats.org/markup-compatibility/2006">
-        <mc:Choice xmlns:p14="http://schemas.microsoft.com/office/powerpoint/2010/main" Requires="p14">
+      <mc:AlternateContent xmlns:mc="http://schemas.openxmlformats.org/markup-compatibility/2006" xmlns:p14="http://schemas.microsoft.com/office/powerpoint/2010/main">
+        <mc:Choice Requires="p14">
           <p:contentPart p14:bwMode="auto" r:id="rId10">
             <p14:nvContentPartPr>
               <p14:cNvPr id="6" name="Ink 5">
@@ -21124,7 +21124,7 @@
             </p14:xfrm>
           </p:contentPart>
         </mc:Choice>
-        <mc:Fallback>
+        <mc:Fallback xmlns="">
           <p:pic>
             <p:nvPicPr>
               <p:cNvPr id="6" name="Ink 5">
@@ -21576,8 +21576,8 @@
           </a:p>
         </p:txBody>
       </p:sp>
-      <mc:AlternateContent xmlns:mc="http://schemas.openxmlformats.org/markup-compatibility/2006">
-        <mc:Choice xmlns:a14="http://schemas.microsoft.com/office/drawing/2010/main" Requires="a14">
+      <mc:AlternateContent xmlns:mc="http://schemas.openxmlformats.org/markup-compatibility/2006" xmlns:a14="http://schemas.microsoft.com/office/drawing/2010/main">
+        <mc:Choice Requires="a14">
           <p:sp>
             <p:nvSpPr>
               <p:cNvPr id="3" name="テキスト プレースホルダー 2">
@@ -21836,7 +21836,7 @@
             </p:txBody>
           </p:sp>
         </mc:Choice>
-        <mc:Fallback>
+        <mc:Fallback xmlns="">
           <p:sp>
             <p:nvSpPr>
               <p:cNvPr id="3" name="テキスト プレースホルダー 2">
@@ -22005,8 +22005,8 @@
           </a:prstGeom>
         </p:spPr>
       </p:pic>
-      <mc:AlternateContent xmlns:mc="http://schemas.openxmlformats.org/markup-compatibility/2006">
-        <mc:Choice xmlns:p14="http://schemas.microsoft.com/office/powerpoint/2010/main" Requires="p14">
+      <mc:AlternateContent xmlns:mc="http://schemas.openxmlformats.org/markup-compatibility/2006" xmlns:p14="http://schemas.microsoft.com/office/powerpoint/2010/main">
+        <mc:Choice Requires="p14">
           <p:contentPart p14:bwMode="auto" r:id="rId3">
             <p14:nvContentPartPr>
               <p14:cNvPr id="2" name="Ink 1">
@@ -22025,7 +22025,7 @@
             </p14:xfrm>
           </p:contentPart>
         </mc:Choice>
-        <mc:Fallback>
+        <mc:Fallback xmlns="">
           <p:pic>
             <p:nvPicPr>
               <p:cNvPr id="2" name="Ink 1">
@@ -22056,8 +22056,8 @@
           </p:pic>
         </mc:Fallback>
       </mc:AlternateContent>
-      <mc:AlternateContent xmlns:mc="http://schemas.openxmlformats.org/markup-compatibility/2006">
-        <mc:Choice xmlns:p14="http://schemas.microsoft.com/office/powerpoint/2010/main" Requires="p14">
+      <mc:AlternateContent xmlns:mc="http://schemas.openxmlformats.org/markup-compatibility/2006" xmlns:p14="http://schemas.microsoft.com/office/powerpoint/2010/main">
+        <mc:Choice Requires="p14">
           <p:contentPart p14:bwMode="auto" r:id="rId5">
             <p14:nvContentPartPr>
               <p14:cNvPr id="3" name="Ink 2">
@@ -22076,7 +22076,7 @@
             </p14:xfrm>
           </p:contentPart>
         </mc:Choice>
-        <mc:Fallback>
+        <mc:Fallback xmlns="">
           <p:pic>
             <p:nvPicPr>
               <p:cNvPr id="3" name="Ink 2">
@@ -22107,8 +22107,8 @@
           </p:pic>
         </mc:Fallback>
       </mc:AlternateContent>
-      <mc:AlternateContent xmlns:mc="http://schemas.openxmlformats.org/markup-compatibility/2006">
-        <mc:Choice xmlns:p14="http://schemas.microsoft.com/office/powerpoint/2010/main" Requires="p14">
+      <mc:AlternateContent xmlns:mc="http://schemas.openxmlformats.org/markup-compatibility/2006" xmlns:p14="http://schemas.microsoft.com/office/powerpoint/2010/main">
+        <mc:Choice Requires="p14">
           <p:contentPart p14:bwMode="auto" r:id="rId7">
             <p14:nvContentPartPr>
               <p14:cNvPr id="5" name="Ink 4">
@@ -22127,7 +22127,7 @@
             </p14:xfrm>
           </p:contentPart>
         </mc:Choice>
-        <mc:Fallback>
+        <mc:Fallback xmlns="">
           <p:pic>
             <p:nvPicPr>
               <p:cNvPr id="5" name="Ink 4">
@@ -22770,8 +22770,8 @@
           </a:prstGeom>
         </p:spPr>
       </p:pic>
-      <mc:AlternateContent xmlns:mc="http://schemas.openxmlformats.org/markup-compatibility/2006">
-        <mc:Choice xmlns:p14="http://schemas.microsoft.com/office/powerpoint/2010/main" Requires="p14">
+      <mc:AlternateContent xmlns:mc="http://schemas.openxmlformats.org/markup-compatibility/2006" xmlns:p14="http://schemas.microsoft.com/office/powerpoint/2010/main">
+        <mc:Choice Requires="p14">
           <p:contentPart p14:bwMode="auto" r:id="rId3">
             <p14:nvContentPartPr>
               <p14:cNvPr id="5" name="Ink 4">
@@ -22790,7 +22790,7 @@
             </p14:xfrm>
           </p:contentPart>
         </mc:Choice>
-        <mc:Fallback>
+        <mc:Fallback xmlns="">
           <p:pic>
             <p:nvPicPr>
               <p:cNvPr id="5" name="Ink 4">
@@ -22821,8 +22821,8 @@
           </p:pic>
         </mc:Fallback>
       </mc:AlternateContent>
-      <mc:AlternateContent xmlns:mc="http://schemas.openxmlformats.org/markup-compatibility/2006">
-        <mc:Choice xmlns:p14="http://schemas.microsoft.com/office/powerpoint/2010/main" Requires="p14">
+      <mc:AlternateContent xmlns:mc="http://schemas.openxmlformats.org/markup-compatibility/2006" xmlns:p14="http://schemas.microsoft.com/office/powerpoint/2010/main">
+        <mc:Choice Requires="p14">
           <p:contentPart p14:bwMode="auto" r:id="rId5">
             <p14:nvContentPartPr>
               <p14:cNvPr id="6" name="Ink 5">
@@ -22841,7 +22841,7 @@
             </p14:xfrm>
           </p:contentPart>
         </mc:Choice>
-        <mc:Fallback>
+        <mc:Fallback xmlns="">
           <p:pic>
             <p:nvPicPr>
               <p:cNvPr id="6" name="Ink 5">
@@ -22892,8 +22892,8 @@
             <a:chExt cx="392400" cy="293760"/>
           </a:xfrm>
         </p:grpSpPr>
-        <mc:AlternateContent xmlns:mc="http://schemas.openxmlformats.org/markup-compatibility/2006">
-          <mc:Choice xmlns:p14="http://schemas.microsoft.com/office/powerpoint/2010/main" Requires="p14">
+        <mc:AlternateContent xmlns:mc="http://schemas.openxmlformats.org/markup-compatibility/2006" xmlns:p14="http://schemas.microsoft.com/office/powerpoint/2010/main">
+          <mc:Choice Requires="p14">
             <p:contentPart p14:bwMode="auto" r:id="rId7">
               <p14:nvContentPartPr>
                 <p14:cNvPr id="16" name="Ink 15">
@@ -22912,7 +22912,7 @@
               </p14:xfrm>
             </p:contentPart>
           </mc:Choice>
-          <mc:Fallback>
+          <mc:Fallback xmlns="">
             <p:pic>
               <p:nvPicPr>
                 <p:cNvPr id="16" name="Ink 15">
@@ -22943,8 +22943,8 @@
             </p:pic>
           </mc:Fallback>
         </mc:AlternateContent>
-        <mc:AlternateContent xmlns:mc="http://schemas.openxmlformats.org/markup-compatibility/2006">
-          <mc:Choice xmlns:p14="http://schemas.microsoft.com/office/powerpoint/2010/main" Requires="p14">
+        <mc:AlternateContent xmlns:mc="http://schemas.openxmlformats.org/markup-compatibility/2006" xmlns:p14="http://schemas.microsoft.com/office/powerpoint/2010/main">
+          <mc:Choice Requires="p14">
             <p:contentPart p14:bwMode="auto" r:id="rId9">
               <p14:nvContentPartPr>
                 <p14:cNvPr id="17" name="Ink 16">
@@ -22963,7 +22963,7 @@
               </p14:xfrm>
             </p:contentPart>
           </mc:Choice>
-          <mc:Fallback>
+          <mc:Fallback xmlns="">
             <p:pic>
               <p:nvPicPr>
                 <p:cNvPr id="17" name="Ink 16">
@@ -23015,8 +23015,8 @@
             <a:chExt cx="1207440" cy="921240"/>
           </a:xfrm>
         </p:grpSpPr>
-        <mc:AlternateContent xmlns:mc="http://schemas.openxmlformats.org/markup-compatibility/2006">
-          <mc:Choice xmlns:p14="http://schemas.microsoft.com/office/powerpoint/2010/main" Requires="p14">
+        <mc:AlternateContent xmlns:mc="http://schemas.openxmlformats.org/markup-compatibility/2006" xmlns:p14="http://schemas.microsoft.com/office/powerpoint/2010/main">
+          <mc:Choice Requires="p14">
             <p:contentPart p14:bwMode="auto" r:id="rId11">
               <p14:nvContentPartPr>
                 <p14:cNvPr id="7" name="Ink 6">
@@ -23035,7 +23035,7 @@
               </p14:xfrm>
             </p:contentPart>
           </mc:Choice>
-          <mc:Fallback>
+          <mc:Fallback xmlns="">
             <p:pic>
               <p:nvPicPr>
                 <p:cNvPr id="7" name="Ink 6">
@@ -23066,8 +23066,8 @@
             </p:pic>
           </mc:Fallback>
         </mc:AlternateContent>
-        <mc:AlternateContent xmlns:mc="http://schemas.openxmlformats.org/markup-compatibility/2006">
-          <mc:Choice xmlns:p14="http://schemas.microsoft.com/office/powerpoint/2010/main" Requires="p14">
+        <mc:AlternateContent xmlns:mc="http://schemas.openxmlformats.org/markup-compatibility/2006" xmlns:p14="http://schemas.microsoft.com/office/powerpoint/2010/main">
+          <mc:Choice Requires="p14">
             <p:contentPart p14:bwMode="auto" r:id="rId13">
               <p14:nvContentPartPr>
                 <p14:cNvPr id="9" name="Ink 8">
@@ -23086,7 +23086,7 @@
               </p14:xfrm>
             </p:contentPart>
           </mc:Choice>
-          <mc:Fallback>
+          <mc:Fallback xmlns="">
             <p:pic>
               <p:nvPicPr>
                 <p:cNvPr id="9" name="Ink 8">
@@ -23117,8 +23117,8 @@
             </p:pic>
           </mc:Fallback>
         </mc:AlternateContent>
-        <mc:AlternateContent xmlns:mc="http://schemas.openxmlformats.org/markup-compatibility/2006">
-          <mc:Choice xmlns:p14="http://schemas.microsoft.com/office/powerpoint/2010/main" Requires="p14">
+        <mc:AlternateContent xmlns:mc="http://schemas.openxmlformats.org/markup-compatibility/2006" xmlns:p14="http://schemas.microsoft.com/office/powerpoint/2010/main">
+          <mc:Choice Requires="p14">
             <p:contentPart p14:bwMode="auto" r:id="rId15">
               <p14:nvContentPartPr>
                 <p14:cNvPr id="11" name="Ink 10">
@@ -23137,7 +23137,7 @@
               </p14:xfrm>
             </p:contentPart>
           </mc:Choice>
-          <mc:Fallback>
+          <mc:Fallback xmlns="">
             <p:pic>
               <p:nvPicPr>
                 <p:cNvPr id="11" name="Ink 10">
@@ -23168,8 +23168,8 @@
             </p:pic>
           </mc:Fallback>
         </mc:AlternateContent>
-        <mc:AlternateContent xmlns:mc="http://schemas.openxmlformats.org/markup-compatibility/2006">
-          <mc:Choice xmlns:p14="http://schemas.microsoft.com/office/powerpoint/2010/main" Requires="p14">
+        <mc:AlternateContent xmlns:mc="http://schemas.openxmlformats.org/markup-compatibility/2006" xmlns:p14="http://schemas.microsoft.com/office/powerpoint/2010/main">
+          <mc:Choice Requires="p14">
             <p:contentPart p14:bwMode="auto" r:id="rId17">
               <p14:nvContentPartPr>
                 <p14:cNvPr id="12" name="Ink 11">
@@ -23188,7 +23188,7 @@
               </p14:xfrm>
             </p:contentPart>
           </mc:Choice>
-          <mc:Fallback>
+          <mc:Fallback xmlns="">
             <p:pic>
               <p:nvPicPr>
                 <p:cNvPr id="12" name="Ink 11">
@@ -23219,8 +23219,8 @@
             </p:pic>
           </mc:Fallback>
         </mc:AlternateContent>
-        <mc:AlternateContent xmlns:mc="http://schemas.openxmlformats.org/markup-compatibility/2006">
-          <mc:Choice xmlns:p14="http://schemas.microsoft.com/office/powerpoint/2010/main" Requires="p14">
+        <mc:AlternateContent xmlns:mc="http://schemas.openxmlformats.org/markup-compatibility/2006" xmlns:p14="http://schemas.microsoft.com/office/powerpoint/2010/main">
+          <mc:Choice Requires="p14">
             <p:contentPart p14:bwMode="auto" r:id="rId19">
               <p14:nvContentPartPr>
                 <p14:cNvPr id="14" name="Ink 13">
@@ -23239,7 +23239,7 @@
               </p14:xfrm>
             </p:contentPart>
           </mc:Choice>
-          <mc:Fallback>
+          <mc:Fallback xmlns="">
             <p:pic>
               <p:nvPicPr>
                 <p:cNvPr id="14" name="Ink 13">
@@ -23270,8 +23270,8 @@
             </p:pic>
           </mc:Fallback>
         </mc:AlternateContent>
-        <mc:AlternateContent xmlns:mc="http://schemas.openxmlformats.org/markup-compatibility/2006">
-          <mc:Choice xmlns:p14="http://schemas.microsoft.com/office/powerpoint/2010/main" Requires="p14">
+        <mc:AlternateContent xmlns:mc="http://schemas.openxmlformats.org/markup-compatibility/2006" xmlns:p14="http://schemas.microsoft.com/office/powerpoint/2010/main">
+          <mc:Choice Requires="p14">
             <p:contentPart p14:bwMode="auto" r:id="rId21">
               <p14:nvContentPartPr>
                 <p14:cNvPr id="15" name="Ink 14">
@@ -23290,7 +23290,7 @@
               </p14:xfrm>
             </p:contentPart>
           </mc:Choice>
-          <mc:Fallback>
+          <mc:Fallback xmlns="">
             <p:pic>
               <p:nvPicPr>
                 <p:cNvPr id="15" name="Ink 14">
@@ -23321,8 +23321,8 @@
             </p:pic>
           </mc:Fallback>
         </mc:AlternateContent>
-        <mc:AlternateContent xmlns:mc="http://schemas.openxmlformats.org/markup-compatibility/2006">
-          <mc:Choice xmlns:p14="http://schemas.microsoft.com/office/powerpoint/2010/main" Requires="p14">
+        <mc:AlternateContent xmlns:mc="http://schemas.openxmlformats.org/markup-compatibility/2006" xmlns:p14="http://schemas.microsoft.com/office/powerpoint/2010/main">
+          <mc:Choice Requires="p14">
             <p:contentPart p14:bwMode="auto" r:id="rId23">
               <p14:nvContentPartPr>
                 <p14:cNvPr id="20" name="Ink 19">
@@ -23341,7 +23341,7 @@
               </p14:xfrm>
             </p:contentPart>
           </mc:Choice>
-          <mc:Fallback>
+          <mc:Fallback xmlns="">
             <p:pic>
               <p:nvPicPr>
                 <p:cNvPr id="20" name="Ink 19">
@@ -24154,7 +24154,7 @@
           </a:ln>
           <a:extLst>
             <a:ext uri="{C572A759-6A51-4108-AA02-DFA0A04FC94B}">
-              <ma14:wrappingTextBoxFlag xmlns="" xmlns:m="http://schemas.openxmlformats.org/officeDocument/2006/math" xmlns:a14="http://schemas.microsoft.com/office/drawing/2010/main" xmlns:ma14="http://schemas.microsoft.com/office/mac/drawingml/2011/main" val="1"/>
+              <ma14:wrappingTextBoxFlag xmlns:ma14="http://schemas.microsoft.com/office/mac/drawingml/2011/main" xmlns:a14="http://schemas.microsoft.com/office/drawing/2010/main" xmlns:m="http://schemas.openxmlformats.org/officeDocument/2006/math" xmlns="" val="1"/>
             </a:ext>
           </a:extLst>
         </p:spPr>
@@ -24243,7 +24243,7 @@
           </a:ln>
           <a:extLst>
             <a:ext uri="{C572A759-6A51-4108-AA02-DFA0A04FC94B}">
-              <ma14:wrappingTextBoxFlag xmlns="" xmlns:m="http://schemas.openxmlformats.org/officeDocument/2006/math" xmlns:a14="http://schemas.microsoft.com/office/drawing/2010/main" xmlns:ma14="http://schemas.microsoft.com/office/mac/drawingml/2011/main" val="1"/>
+              <ma14:wrappingTextBoxFlag xmlns:ma14="http://schemas.microsoft.com/office/mac/drawingml/2011/main" xmlns:a14="http://schemas.microsoft.com/office/drawing/2010/main" xmlns:m="http://schemas.openxmlformats.org/officeDocument/2006/math" xmlns="" val="1"/>
             </a:ext>
           </a:extLst>
         </p:spPr>
@@ -24333,7 +24333,7 @@
           </a:ln>
           <a:extLst>
             <a:ext uri="{C572A759-6A51-4108-AA02-DFA0A04FC94B}">
-              <ma14:wrappingTextBoxFlag xmlns="" xmlns:m="http://schemas.openxmlformats.org/officeDocument/2006/math" xmlns:a14="http://schemas.microsoft.com/office/drawing/2010/main" xmlns:ma14="http://schemas.microsoft.com/office/mac/drawingml/2011/main" val="1"/>
+              <ma14:wrappingTextBoxFlag xmlns:ma14="http://schemas.microsoft.com/office/mac/drawingml/2011/main" xmlns:a14="http://schemas.microsoft.com/office/drawing/2010/main" xmlns:m="http://schemas.openxmlformats.org/officeDocument/2006/math" xmlns="" val="1"/>
             </a:ext>
           </a:extLst>
         </p:spPr>
@@ -24422,7 +24422,7 @@
           </a:ln>
           <a:extLst>
             <a:ext uri="{C572A759-6A51-4108-AA02-DFA0A04FC94B}">
-              <ma14:wrappingTextBoxFlag xmlns="" xmlns:m="http://schemas.openxmlformats.org/officeDocument/2006/math" xmlns:a14="http://schemas.microsoft.com/office/drawing/2010/main" xmlns:ma14="http://schemas.microsoft.com/office/mac/drawingml/2011/main" val="1"/>
+              <ma14:wrappingTextBoxFlag xmlns:ma14="http://schemas.microsoft.com/office/mac/drawingml/2011/main" xmlns:a14="http://schemas.microsoft.com/office/drawing/2010/main" xmlns:m="http://schemas.openxmlformats.org/officeDocument/2006/math" xmlns="" val="1"/>
             </a:ext>
           </a:extLst>
         </p:spPr>
@@ -24461,7 +24461,7 @@
           </a:ln>
           <a:extLst>
             <a:ext uri="{C572A759-6A51-4108-AA02-DFA0A04FC94B}">
-              <ma14:wrappingTextBoxFlag xmlns="" xmlns:m="http://schemas.openxmlformats.org/officeDocument/2006/math" xmlns:a14="http://schemas.microsoft.com/office/drawing/2010/main" xmlns:ma14="http://schemas.microsoft.com/office/mac/drawingml/2011/main" val="1"/>
+              <ma14:wrappingTextBoxFlag xmlns:ma14="http://schemas.microsoft.com/office/mac/drawingml/2011/main" xmlns:a14="http://schemas.microsoft.com/office/drawing/2010/main" xmlns:m="http://schemas.openxmlformats.org/officeDocument/2006/math" xmlns="" val="1"/>
             </a:ext>
           </a:extLst>
         </p:spPr>
@@ -24500,7 +24500,7 @@
           </a:ln>
           <a:extLst>
             <a:ext uri="{C572A759-6A51-4108-AA02-DFA0A04FC94B}">
-              <ma14:wrappingTextBoxFlag xmlns="" xmlns:m="http://schemas.openxmlformats.org/officeDocument/2006/math" xmlns:a14="http://schemas.microsoft.com/office/drawing/2010/main" xmlns:ma14="http://schemas.microsoft.com/office/mac/drawingml/2011/main" val="1"/>
+              <ma14:wrappingTextBoxFlag xmlns:ma14="http://schemas.microsoft.com/office/mac/drawingml/2011/main" xmlns:a14="http://schemas.microsoft.com/office/drawing/2010/main" xmlns:m="http://schemas.openxmlformats.org/officeDocument/2006/math" xmlns="" val="1"/>
             </a:ext>
           </a:extLst>
         </p:spPr>
@@ -24547,7 +24547,7 @@
           </a:prstGeom>
           <a:extLst>
             <a:ext uri="{C572A759-6A51-4108-AA02-DFA0A04FC94B}">
-              <ma14:wrappingTextBoxFlag xmlns="" xmlns:m="http://schemas.openxmlformats.org/officeDocument/2006/math" xmlns:a14="http://schemas.microsoft.com/office/drawing/2010/main" xmlns:ma14="http://schemas.microsoft.com/office/mac/drawingml/2011/main" val="1"/>
+              <ma14:wrappingTextBoxFlag xmlns:ma14="http://schemas.microsoft.com/office/mac/drawingml/2011/main" xmlns:a14="http://schemas.microsoft.com/office/drawing/2010/main" xmlns:m="http://schemas.openxmlformats.org/officeDocument/2006/math" xmlns="" val="1"/>
             </a:ext>
           </a:extLst>
         </p:spPr>
@@ -24563,8 +24563,8 @@
           </a:p>
         </p:txBody>
       </p:sp>
-      <mc:AlternateContent xmlns:mc="http://schemas.openxmlformats.org/markup-compatibility/2006">
-        <mc:Choice xmlns:p14="http://schemas.microsoft.com/office/powerpoint/2010/main" Requires="p14">
+      <mc:AlternateContent xmlns:mc="http://schemas.openxmlformats.org/markup-compatibility/2006" xmlns:p14="http://schemas.microsoft.com/office/powerpoint/2010/main">
+        <mc:Choice Requires="p14">
           <p:contentPart p14:bwMode="auto" r:id="rId2">
             <p14:nvContentPartPr>
               <p14:cNvPr id="2" name="Ink 1">
@@ -24583,7 +24583,7 @@
             </p14:xfrm>
           </p:contentPart>
         </mc:Choice>
-        <mc:Fallback>
+        <mc:Fallback xmlns="">
           <p:pic>
             <p:nvPicPr>
               <p:cNvPr id="2" name="Ink 1">
@@ -24614,8 +24614,8 @@
           </p:pic>
         </mc:Fallback>
       </mc:AlternateContent>
-      <mc:AlternateContent xmlns:mc="http://schemas.openxmlformats.org/markup-compatibility/2006">
-        <mc:Choice xmlns:p14="http://schemas.microsoft.com/office/powerpoint/2010/main" Requires="p14">
+      <mc:AlternateContent xmlns:mc="http://schemas.openxmlformats.org/markup-compatibility/2006" xmlns:p14="http://schemas.microsoft.com/office/powerpoint/2010/main">
+        <mc:Choice Requires="p14">
           <p:contentPart p14:bwMode="auto" r:id="rId4">
             <p14:nvContentPartPr>
               <p14:cNvPr id="3" name="Ink 2">
@@ -24634,7 +24634,7 @@
             </p14:xfrm>
           </p:contentPart>
         </mc:Choice>
-        <mc:Fallback>
+        <mc:Fallback xmlns="">
           <p:pic>
             <p:nvPicPr>
               <p:cNvPr id="3" name="Ink 2">
@@ -24665,8 +24665,8 @@
           </p:pic>
         </mc:Fallback>
       </mc:AlternateContent>
-      <mc:AlternateContent xmlns:mc="http://schemas.openxmlformats.org/markup-compatibility/2006">
-        <mc:Choice xmlns:p14="http://schemas.microsoft.com/office/powerpoint/2010/main" Requires="p14">
+      <mc:AlternateContent xmlns:mc="http://schemas.openxmlformats.org/markup-compatibility/2006" xmlns:p14="http://schemas.microsoft.com/office/powerpoint/2010/main">
+        <mc:Choice Requires="p14">
           <p:contentPart p14:bwMode="auto" r:id="rId6">
             <p14:nvContentPartPr>
               <p14:cNvPr id="4" name="Ink 3">
@@ -24685,7 +24685,7 @@
             </p14:xfrm>
           </p:contentPart>
         </mc:Choice>
-        <mc:Fallback>
+        <mc:Fallback xmlns="">
           <p:pic>
             <p:nvPicPr>
               <p:cNvPr id="4" name="Ink 3">
@@ -24716,8 +24716,8 @@
           </p:pic>
         </mc:Fallback>
       </mc:AlternateContent>
-      <mc:AlternateContent xmlns:mc="http://schemas.openxmlformats.org/markup-compatibility/2006">
-        <mc:Choice xmlns:p14="http://schemas.microsoft.com/office/powerpoint/2010/main" Requires="p14">
+      <mc:AlternateContent xmlns:mc="http://schemas.openxmlformats.org/markup-compatibility/2006" xmlns:p14="http://schemas.microsoft.com/office/powerpoint/2010/main">
+        <mc:Choice Requires="p14">
           <p:contentPart p14:bwMode="auto" r:id="rId8">
             <p14:nvContentPartPr>
               <p14:cNvPr id="5" name="Ink 4">
@@ -24736,7 +24736,7 @@
             </p14:xfrm>
           </p:contentPart>
         </mc:Choice>
-        <mc:Fallback>
+        <mc:Fallback xmlns="">
           <p:pic>
             <p:nvPicPr>
               <p:cNvPr id="5" name="Ink 4">
@@ -24767,8 +24767,8 @@
           </p:pic>
         </mc:Fallback>
       </mc:AlternateContent>
-      <mc:AlternateContent xmlns:mc="http://schemas.openxmlformats.org/markup-compatibility/2006">
-        <mc:Choice xmlns:p14="http://schemas.microsoft.com/office/powerpoint/2010/main" Requires="p14">
+      <mc:AlternateContent xmlns:mc="http://schemas.openxmlformats.org/markup-compatibility/2006" xmlns:p14="http://schemas.microsoft.com/office/powerpoint/2010/main">
+        <mc:Choice Requires="p14">
           <p:contentPart p14:bwMode="auto" r:id="rId10">
             <p14:nvContentPartPr>
               <p14:cNvPr id="6" name="Ink 5">
@@ -24787,7 +24787,7 @@
             </p14:xfrm>
           </p:contentPart>
         </mc:Choice>
-        <mc:Fallback>
+        <mc:Fallback xmlns="">
           <p:pic>
             <p:nvPicPr>
               <p:cNvPr id="6" name="Ink 5">
@@ -24818,8 +24818,8 @@
           </p:pic>
         </mc:Fallback>
       </mc:AlternateContent>
-      <mc:AlternateContent xmlns:mc="http://schemas.openxmlformats.org/markup-compatibility/2006">
-        <mc:Choice xmlns:p14="http://schemas.microsoft.com/office/powerpoint/2010/main" Requires="p14">
+      <mc:AlternateContent xmlns:mc="http://schemas.openxmlformats.org/markup-compatibility/2006" xmlns:p14="http://schemas.microsoft.com/office/powerpoint/2010/main">
+        <mc:Choice Requires="p14">
           <p:contentPart p14:bwMode="auto" r:id="rId12">
             <p14:nvContentPartPr>
               <p14:cNvPr id="7" name="Ink 6">
@@ -24838,7 +24838,7 @@
             </p14:xfrm>
           </p:contentPart>
         </mc:Choice>
-        <mc:Fallback>
+        <mc:Fallback xmlns="">
           <p:pic>
             <p:nvPicPr>
               <p:cNvPr id="7" name="Ink 6">
@@ -25153,7 +25153,7 @@
           </a:prstGeom>
           <a:extLst>
             <a:ext uri="{C572A759-6A51-4108-AA02-DFA0A04FC94B}">
-              <ma14:wrappingTextBoxFlag xmlns="" xmlns:m="http://schemas.openxmlformats.org/officeDocument/2006/math" xmlns:a14="http://schemas.microsoft.com/office/drawing/2010/main" xmlns:ma14="http://schemas.microsoft.com/office/mac/drawingml/2011/main" val="1"/>
+              <ma14:wrappingTextBoxFlag xmlns:ma14="http://schemas.microsoft.com/office/mac/drawingml/2011/main" xmlns:a14="http://schemas.microsoft.com/office/drawing/2010/main" xmlns:m="http://schemas.openxmlformats.org/officeDocument/2006/math" xmlns="" val="1"/>
             </a:ext>
           </a:extLst>
         </p:spPr>
@@ -25188,7 +25188,7 @@
           </a:ln>
           <a:extLst>
             <a:ext uri="{C572A759-6A51-4108-AA02-DFA0A04FC94B}">
-              <ma14:wrappingTextBoxFlag xmlns="" xmlns:m="http://schemas.openxmlformats.org/officeDocument/2006/math" xmlns:a14="http://schemas.microsoft.com/office/drawing/2010/main" xmlns:ma14="http://schemas.microsoft.com/office/mac/drawingml/2011/main" val="1"/>
+              <ma14:wrappingTextBoxFlag xmlns:ma14="http://schemas.microsoft.com/office/mac/drawingml/2011/main" xmlns:a14="http://schemas.microsoft.com/office/drawing/2010/main" xmlns:m="http://schemas.openxmlformats.org/officeDocument/2006/math" xmlns="" val="1"/>
             </a:ext>
           </a:extLst>
         </p:spPr>
@@ -25208,8 +25208,8 @@
           </a:p>
         </p:txBody>
       </p:sp>
-      <mc:AlternateContent xmlns:mc="http://schemas.openxmlformats.org/markup-compatibility/2006">
-        <mc:Choice xmlns:p14="http://schemas.microsoft.com/office/powerpoint/2010/main" Requires="p14">
+      <mc:AlternateContent xmlns:mc="http://schemas.openxmlformats.org/markup-compatibility/2006" xmlns:p14="http://schemas.microsoft.com/office/powerpoint/2010/main">
+        <mc:Choice Requires="p14">
           <p:contentPart p14:bwMode="auto" r:id="rId2">
             <p14:nvContentPartPr>
               <p14:cNvPr id="2" name="Ink 1">
@@ -25228,7 +25228,7 @@
             </p14:xfrm>
           </p:contentPart>
         </mc:Choice>
-        <mc:Fallback>
+        <mc:Fallback xmlns="">
           <p:pic>
             <p:nvPicPr>
               <p:cNvPr id="2" name="Ink 1">
@@ -25259,8 +25259,8 @@
           </p:pic>
         </mc:Fallback>
       </mc:AlternateContent>
-      <mc:AlternateContent xmlns:mc="http://schemas.openxmlformats.org/markup-compatibility/2006">
-        <mc:Choice xmlns:p14="http://schemas.microsoft.com/office/powerpoint/2010/main" Requires="p14">
+      <mc:AlternateContent xmlns:mc="http://schemas.openxmlformats.org/markup-compatibility/2006" xmlns:p14="http://schemas.microsoft.com/office/powerpoint/2010/main">
+        <mc:Choice Requires="p14">
           <p:contentPart p14:bwMode="auto" r:id="rId4">
             <p14:nvContentPartPr>
               <p14:cNvPr id="3" name="Ink 2">
@@ -25279,7 +25279,7 @@
             </p14:xfrm>
           </p:contentPart>
         </mc:Choice>
-        <mc:Fallback>
+        <mc:Fallback xmlns="">
           <p:pic>
             <p:nvPicPr>
               <p:cNvPr id="3" name="Ink 2">
@@ -25310,8 +25310,8 @@
           </p:pic>
         </mc:Fallback>
       </mc:AlternateContent>
-      <mc:AlternateContent xmlns:mc="http://schemas.openxmlformats.org/markup-compatibility/2006">
-        <mc:Choice xmlns:p14="http://schemas.microsoft.com/office/powerpoint/2010/main" Requires="p14">
+      <mc:AlternateContent xmlns:mc="http://schemas.openxmlformats.org/markup-compatibility/2006" xmlns:p14="http://schemas.microsoft.com/office/powerpoint/2010/main">
+        <mc:Choice Requires="p14">
           <p:contentPart p14:bwMode="auto" r:id="rId6">
             <p14:nvContentPartPr>
               <p14:cNvPr id="4" name="Ink 3">
@@ -25330,7 +25330,7 @@
             </p14:xfrm>
           </p:contentPart>
         </mc:Choice>
-        <mc:Fallback>
+        <mc:Fallback xmlns="">
           <p:pic>
             <p:nvPicPr>
               <p:cNvPr id="4" name="Ink 3">
@@ -25361,8 +25361,8 @@
           </p:pic>
         </mc:Fallback>
       </mc:AlternateContent>
-      <mc:AlternateContent xmlns:mc="http://schemas.openxmlformats.org/markup-compatibility/2006">
-        <mc:Choice xmlns:p14="http://schemas.microsoft.com/office/powerpoint/2010/main" Requires="p14">
+      <mc:AlternateContent xmlns:mc="http://schemas.openxmlformats.org/markup-compatibility/2006" xmlns:p14="http://schemas.microsoft.com/office/powerpoint/2010/main">
+        <mc:Choice Requires="p14">
           <p:contentPart p14:bwMode="auto" r:id="rId8">
             <p14:nvContentPartPr>
               <p14:cNvPr id="5" name="Ink 4">
@@ -25381,7 +25381,7 @@
             </p14:xfrm>
           </p:contentPart>
         </mc:Choice>
-        <mc:Fallback>
+        <mc:Fallback xmlns="">
           <p:pic>
             <p:nvPicPr>
               <p:cNvPr id="5" name="Ink 4">
@@ -25412,8 +25412,8 @@
           </p:pic>
         </mc:Fallback>
       </mc:AlternateContent>
-      <mc:AlternateContent xmlns:mc="http://schemas.openxmlformats.org/markup-compatibility/2006">
-        <mc:Choice xmlns:p14="http://schemas.microsoft.com/office/powerpoint/2010/main" Requires="p14">
+      <mc:AlternateContent xmlns:mc="http://schemas.openxmlformats.org/markup-compatibility/2006" xmlns:p14="http://schemas.microsoft.com/office/powerpoint/2010/main">
+        <mc:Choice Requires="p14">
           <p:contentPart p14:bwMode="auto" r:id="rId10">
             <p14:nvContentPartPr>
               <p14:cNvPr id="6" name="Ink 5">
@@ -25432,7 +25432,7 @@
             </p14:xfrm>
           </p:contentPart>
         </mc:Choice>
-        <mc:Fallback>
+        <mc:Fallback xmlns="">
           <p:pic>
             <p:nvPicPr>
               <p:cNvPr id="6" name="Ink 5">
@@ -25463,8 +25463,8 @@
           </p:pic>
         </mc:Fallback>
       </mc:AlternateContent>
-      <mc:AlternateContent xmlns:mc="http://schemas.openxmlformats.org/markup-compatibility/2006">
-        <mc:Choice xmlns:p14="http://schemas.microsoft.com/office/powerpoint/2010/main" Requires="p14">
+      <mc:AlternateContent xmlns:mc="http://schemas.openxmlformats.org/markup-compatibility/2006" xmlns:p14="http://schemas.microsoft.com/office/powerpoint/2010/main">
+        <mc:Choice Requires="p14">
           <p:contentPart p14:bwMode="auto" r:id="rId12">
             <p14:nvContentPartPr>
               <p14:cNvPr id="7" name="Ink 6">
@@ -25483,7 +25483,7 @@
             </p14:xfrm>
           </p:contentPart>
         </mc:Choice>
-        <mc:Fallback>
+        <mc:Fallback xmlns="">
           <p:pic>
             <p:nvPicPr>
               <p:cNvPr id="7" name="Ink 6">
@@ -25514,8 +25514,8 @@
           </p:pic>
         </mc:Fallback>
       </mc:AlternateContent>
-      <mc:AlternateContent xmlns:mc="http://schemas.openxmlformats.org/markup-compatibility/2006">
-        <mc:Choice xmlns:p14="http://schemas.microsoft.com/office/powerpoint/2010/main" Requires="p14">
+      <mc:AlternateContent xmlns:mc="http://schemas.openxmlformats.org/markup-compatibility/2006" xmlns:p14="http://schemas.microsoft.com/office/powerpoint/2010/main">
+        <mc:Choice Requires="p14">
           <p:contentPart p14:bwMode="auto" r:id="rId14">
             <p14:nvContentPartPr>
               <p14:cNvPr id="8" name="Ink 7">
@@ -25534,7 +25534,7 @@
             </p14:xfrm>
           </p:contentPart>
         </mc:Choice>
-        <mc:Fallback>
+        <mc:Fallback xmlns="">
           <p:pic>
             <p:nvPicPr>
               <p:cNvPr id="8" name="Ink 7">
@@ -25726,10 +25726,12 @@
             <a:avLst/>
           </a:prstGeom>
           <a:solidFill>
-            <a:schemeClr val="accent1"/>
+            <a:schemeClr val="bg1"/>
           </a:solidFill>
           <a:ln w="12700" cap="flat">
-            <a:noFill/>
+            <a:solidFill>
+              <a:schemeClr val="accent1"/>
+            </a:solidFill>
             <a:miter lim="400000"/>
           </a:ln>
           <a:effectLst/>
@@ -25809,7 +25811,7 @@
                 <a:noFill/>
               </a:ln>
               <a:solidFill>
-                <a:srgbClr val="FFFFFF"/>
+                <a:schemeClr val="tx1"/>
               </a:solidFill>
               <a:effectLst/>
               <a:uFillTx/>
@@ -25842,7 +25844,7 @@
                   <a:noFill/>
                 </a:ln>
                 <a:solidFill>
-                  <a:srgbClr val="FFFFFF"/>
+                  <a:schemeClr val="tx1"/>
                 </a:solidFill>
                 <a:effectLst/>
                 <a:uFillTx/>
@@ -25877,7 +25879,7 @@
                   <a:noFill/>
                 </a:ln>
                 <a:solidFill>
-                  <a:srgbClr val="FFFFFF"/>
+                  <a:schemeClr val="tx1"/>
                 </a:solidFill>
                 <a:effectLst/>
                 <a:uFillTx/>
@@ -25909,18 +25911,6 @@
             <a:r>
               <a:rPr lang="en-JP" sz="5400" dirty="0">
                 <a:solidFill>
-                  <a:srgbClr val="FFFFFF"/>
-                </a:solidFill>
-                <a:latin typeface="+mn-lt"/>
-                <a:ea typeface="+mn-ea"/>
-                <a:cs typeface="+mn-cs"/>
-                <a:sym typeface="ヒラギノ角ゴ ProN W3"/>
-              </a:rPr>
-              <a:t>その他</a:t>
-            </a:r>
-            <a:r>
-              <a:rPr lang="en-JP" sz="5400" dirty="0">
-                <a:solidFill>
                   <a:schemeClr val="tx1"/>
                 </a:solidFill>
                 <a:latin typeface="+mn-lt"/>
@@ -25928,7 +25918,7 @@
                 <a:cs typeface="+mn-cs"/>
                 <a:sym typeface="ヒラギノ角ゴ ProN W3"/>
               </a:rPr>
-              <a:t>資源</a:t>
+              <a:t>その他資源</a:t>
             </a:r>
             <a:endParaRPr kumimoji="0" lang="en-JP" sz="5400" b="0" i="0" u="none" strike="noStrike" cap="none" spc="0" normalizeH="0" baseline="0" dirty="0">
               <a:ln>
@@ -25968,10 +25958,12 @@
             <a:avLst/>
           </a:prstGeom>
           <a:solidFill>
-            <a:schemeClr val="accent1"/>
+            <a:schemeClr val="bg1"/>
           </a:solidFill>
           <a:ln w="12700" cap="flat">
-            <a:noFill/>
+            <a:solidFill>
+              <a:schemeClr val="accent1"/>
+            </a:solidFill>
             <a:miter lim="400000"/>
           </a:ln>
           <a:effectLst/>
@@ -26043,7 +26035,7 @@
             </a:pPr>
             <a:endParaRPr lang="en-JP" sz="6000" dirty="0">
               <a:solidFill>
-                <a:srgbClr val="FFFFFF"/>
+                <a:schemeClr val="tx1"/>
               </a:solidFill>
               <a:latin typeface="+mn-lt"/>
               <a:ea typeface="+mn-ea"/>
@@ -26074,7 +26066,7 @@
                   <a:noFill/>
                 </a:ln>
                 <a:solidFill>
-                  <a:srgbClr val="FFFFFF"/>
+                  <a:schemeClr val="tx1"/>
                 </a:solidFill>
                 <a:effectLst/>
                 <a:uFillTx/>
@@ -26291,7 +26283,7 @@
           </a:prstGeom>
           <a:extLst>
             <a:ext uri="{C572A759-6A51-4108-AA02-DFA0A04FC94B}">
-              <ma14:wrappingTextBoxFlag xmlns="" xmlns:m="http://schemas.openxmlformats.org/officeDocument/2006/math" xmlns:a14="http://schemas.microsoft.com/office/drawing/2010/main" xmlns:ma14="http://schemas.microsoft.com/office/mac/drawingml/2011/main" val="1"/>
+              <ma14:wrappingTextBoxFlag xmlns:ma14="http://schemas.microsoft.com/office/mac/drawingml/2011/main" xmlns:a14="http://schemas.microsoft.com/office/drawing/2010/main" xmlns:m="http://schemas.openxmlformats.org/officeDocument/2006/math" xmlns="" val="1"/>
             </a:ext>
           </a:extLst>
         </p:spPr>
@@ -26694,7 +26686,7 @@
           </a:prstGeom>
           <a:extLst>
             <a:ext uri="{C572A759-6A51-4108-AA02-DFA0A04FC94B}">
-              <ma14:wrappingTextBoxFlag xmlns="" xmlns:m="http://schemas.openxmlformats.org/officeDocument/2006/math" xmlns:a14="http://schemas.microsoft.com/office/drawing/2010/main" xmlns:ma14="http://schemas.microsoft.com/office/mac/drawingml/2011/main" val="1"/>
+              <ma14:wrappingTextBoxFlag xmlns:ma14="http://schemas.microsoft.com/office/mac/drawingml/2011/main" xmlns:a14="http://schemas.microsoft.com/office/drawing/2010/main" xmlns:m="http://schemas.openxmlformats.org/officeDocument/2006/math" xmlns="" val="1"/>
             </a:ext>
           </a:extLst>
         </p:spPr>
